--- a/analysis_presentation.pptx
+++ b/analysis_presentation.pptx
@@ -7,12 +7,13 @@
   <p:sldIdLst>
     <p:sldId id="256" r:id="rId2"/>
     <p:sldId id="264" r:id="rId3"/>
-    <p:sldId id="258" r:id="rId4"/>
-    <p:sldId id="260" r:id="rId5"/>
-    <p:sldId id="262" r:id="rId6"/>
-    <p:sldId id="259" r:id="rId7"/>
-    <p:sldId id="261" r:id="rId8"/>
-    <p:sldId id="263" r:id="rId9"/>
+    <p:sldId id="265" r:id="rId4"/>
+    <p:sldId id="258" r:id="rId5"/>
+    <p:sldId id="260" r:id="rId6"/>
+    <p:sldId id="262" r:id="rId7"/>
+    <p:sldId id="259" r:id="rId8"/>
+    <p:sldId id="261" r:id="rId9"/>
+    <p:sldId id="263" r:id="rId10"/>
   </p:sldIdLst>
   <p:sldSz cx="12192000" cy="6858000"/>
   <p:notesSz cx="6858000" cy="9144000"/>
@@ -111,6 +112,11 @@
       </a:defRPr>
     </a:lvl9pPr>
   </p:defaultTextStyle>
+  <p:extLst>
+    <p:ext uri="{EFAFB233-063F-42B5-8137-9DF3F51BA10A}">
+      <p15:sldGuideLst xmlns:p15="http://schemas.microsoft.com/office/powerpoint/2012/main"/>
+    </p:ext>
+  </p:extLst>
 </p:presentation>
 </file>
 
@@ -3599,17 +3605,6 @@
 <file path=ppt/slides/slide3.xml><?xml version="1.0" encoding="utf-8"?>
 <p:sld xmlns:a="http://schemas.openxmlformats.org/drawingml/2006/main" xmlns:r="http://schemas.openxmlformats.org/officeDocument/2006/relationships" xmlns:p="http://schemas.openxmlformats.org/presentationml/2006/main">
   <p:cSld>
-    <p:bg>
-      <p:bgPr>
-        <a:solidFill>
-          <a:schemeClr val="accent6">
-            <a:lumMod val="40000"/>
-            <a:lumOff val="60000"/>
-          </a:schemeClr>
-        </a:solidFill>
-        <a:effectLst/>
-      </p:bgPr>
-    </p:bg>
     <p:spTree>
       <p:nvGrpSpPr>
         <p:cNvPr id="1" name=""/>
@@ -3626,10 +3621,10 @@
       </p:grpSpPr>
       <p:sp>
         <p:nvSpPr>
-          <p:cNvPr id="2" name="Title 1">
-            <a:extLst>
-              <a:ext uri="{FF2B5EF4-FFF2-40B4-BE49-F238E27FC236}">
-                <a16:creationId xmlns:a16="http://schemas.microsoft.com/office/drawing/2014/main" id="{2E1BFBAA-1CAD-4491-9160-A65F4CA3B7C2}"/>
+          <p:cNvPr id="10" name="Title 9">
+            <a:extLst>
+              <a:ext uri="{FF2B5EF4-FFF2-40B4-BE49-F238E27FC236}">
+                <a16:creationId xmlns:a16="http://schemas.microsoft.com/office/drawing/2014/main" id="{34D47A13-603A-B8C0-25CE-1B585877CA55}"/>
               </a:ext>
             </a:extLst>
           </p:cNvPr>
@@ -3640,27 +3635,139 @@
             <p:ph type="title"/>
           </p:nvPr>
         </p:nvSpPr>
-        <p:spPr/>
+        <p:spPr>
+          <a:xfrm>
+            <a:off x="326604" y="384175"/>
+            <a:ext cx="11865396" cy="1600200"/>
+          </a:xfrm>
+        </p:spPr>
+        <p:txBody>
+          <a:bodyPr anchor="ctr">
+            <a:normAutofit/>
+          </a:bodyPr>
+          <a:lstStyle/>
+          <a:p>
+            <a:r>
+              <a:rPr lang="en-US" sz="2800" b="1" dirty="0">
+                <a:latin typeface="Arial" panose="020B0604020202020204" pitchFamily="34" charset="0"/>
+                <a:cs typeface="Arial" panose="020B0604020202020204" pitchFamily="34" charset="0"/>
+              </a:rPr>
+              <a:t>Assessing the Data</a:t>
+            </a:r>
+          </a:p>
+        </p:txBody>
+      </p:sp>
+      <p:sp>
+        <p:nvSpPr>
+          <p:cNvPr id="12" name="Text Placeholder 11">
+            <a:extLst>
+              <a:ext uri="{FF2B5EF4-FFF2-40B4-BE49-F238E27FC236}">
+                <a16:creationId xmlns:a16="http://schemas.microsoft.com/office/drawing/2014/main" id="{621DE730-63B2-6EFC-2774-5CE40DC9E293}"/>
+              </a:ext>
+            </a:extLst>
+          </p:cNvPr>
+          <p:cNvSpPr>
+            <a:spLocks noGrp="1"/>
+          </p:cNvSpPr>
+          <p:nvPr>
+            <p:ph type="body" sz="half" idx="2"/>
+          </p:nvPr>
+        </p:nvSpPr>
+        <p:spPr>
+          <a:xfrm>
+            <a:off x="326604" y="2515393"/>
+            <a:ext cx="3932237" cy="3811588"/>
+          </a:xfrm>
+        </p:spPr>
         <p:txBody>
           <a:bodyPr>
             <a:normAutofit/>
           </a:bodyPr>
           <a:lstStyle/>
           <a:p>
-            <a:r>
-              <a:rPr lang="en-US" sz="4000" b="1" dirty="0">
-                <a:latin typeface="Arial" panose="020B0604020202020204" pitchFamily="34" charset="0"/>
-                <a:cs typeface="Arial" panose="020B0604020202020204" pitchFamily="34" charset="0"/>
-              </a:rPr>
-              <a:t>Differences in Rider Volume</a:t>
-            </a:r>
-          </a:p>
-        </p:txBody>
+            <a:pPr marL="285750" indent="-285750">
+              <a:buFont typeface="Arial" panose="020B0604020202020204" pitchFamily="34" charset="0"/>
+              <a:buChar char="•"/>
+            </a:pPr>
+            <a:r>
+              <a:rPr lang="en-US" dirty="0"/>
+              <a:t>There are some issues  with the reliability of the data, such as missing data and changes in formatting over time.</a:t>
+            </a:r>
+          </a:p>
+          <a:p>
+            <a:pPr marL="285750" indent="-285750">
+              <a:buFont typeface="Arial" panose="020B0604020202020204" pitchFamily="34" charset="0"/>
+              <a:buChar char="•"/>
+            </a:pPr>
+            <a:r>
+              <a:rPr lang="en-US" dirty="0"/>
+              <a:t>The data is from a first-party source</a:t>
+            </a:r>
+          </a:p>
+          <a:p>
+            <a:pPr marL="285750" indent="-285750">
+              <a:buFont typeface="Arial" panose="020B0604020202020204" pitchFamily="34" charset="0"/>
+              <a:buChar char="•"/>
+            </a:pPr>
+            <a:r>
+              <a:rPr lang="en-US" dirty="0"/>
+              <a:t>The data is sufficient to do comparisons between membership holders and casual riders</a:t>
+            </a:r>
+          </a:p>
+          <a:p>
+            <a:pPr marL="285750" indent="-285750">
+              <a:buFont typeface="Arial" panose="020B0604020202020204" pitchFamily="34" charset="0"/>
+              <a:buChar char="•"/>
+            </a:pPr>
+            <a:r>
+              <a:rPr lang="en-US" dirty="0"/>
+              <a:t>The data is current at the time this case study was conducted</a:t>
+            </a:r>
+          </a:p>
+          <a:p>
+            <a:pPr marL="285750" indent="-285750">
+              <a:buFont typeface="Arial" panose="020B0604020202020204" pitchFamily="34" charset="0"/>
+              <a:buChar char="•"/>
+            </a:pPr>
+            <a:r>
+              <a:rPr lang="en-US" dirty="0"/>
+              <a:t>The data supplied was released under a license that allows for its use in this case study</a:t>
+            </a:r>
+          </a:p>
+          <a:p>
+            <a:pPr marL="285750" indent="-285750">
+              <a:buFont typeface="Arial" panose="020B0604020202020204" pitchFamily="34" charset="0"/>
+              <a:buChar char="•"/>
+            </a:pPr>
+            <a:r>
+              <a:rPr lang="en-US" dirty="0"/>
+              <a:t>The data is credible, and there are no signs of misrepresentation</a:t>
+            </a:r>
+          </a:p>
+        </p:txBody>
+      </p:sp>
+      <p:sp>
+        <p:nvSpPr>
+          <p:cNvPr id="3" name="Picture Placeholder 2">
+            <a:extLst>
+              <a:ext uri="{FF2B5EF4-FFF2-40B4-BE49-F238E27FC236}">
+                <a16:creationId xmlns:a16="http://schemas.microsoft.com/office/drawing/2014/main" id="{F36A47F4-DFCB-2FA0-B739-272BAE0DD3C6}"/>
+              </a:ext>
+            </a:extLst>
+          </p:cNvPr>
+          <p:cNvSpPr>
+            <a:spLocks noGrp="1"/>
+          </p:cNvSpPr>
+          <p:nvPr>
+            <p:ph type="pic" idx="1"/>
+          </p:nvPr>
+        </p:nvSpPr>
+        <p:spPr/>
       </p:sp>
     </p:spTree>
     <p:extLst>
       <p:ext uri="{BB962C8B-B14F-4D97-AF65-F5344CB8AC3E}">
-        <p14:creationId xmlns:p14="http://schemas.microsoft.com/office/powerpoint/2010/main" val="3273453703"/>
+        <p14:creationId xmlns:p14="http://schemas.microsoft.com/office/powerpoint/2010/main" val="2009483787"/>
       </p:ext>
     </p:extLst>
   </p:cSld>
@@ -3671,312 +3778,6 @@
 </file>
 
 <file path=ppt/slides/slide4.xml><?xml version="1.0" encoding="utf-8"?>
-<p:sld xmlns:a="http://schemas.openxmlformats.org/drawingml/2006/main" xmlns:r="http://schemas.openxmlformats.org/officeDocument/2006/relationships" xmlns:p="http://schemas.openxmlformats.org/presentationml/2006/main">
-  <p:cSld>
-    <p:spTree>
-      <p:nvGrpSpPr>
-        <p:cNvPr id="1" name=""/>
-        <p:cNvGrpSpPr/>
-        <p:nvPr/>
-      </p:nvGrpSpPr>
-      <p:grpSpPr>
-        <a:xfrm>
-          <a:off x="0" y="0"/>
-          <a:ext cx="0" cy="0"/>
-          <a:chOff x="0" y="0"/>
-          <a:chExt cx="0" cy="0"/>
-        </a:xfrm>
-      </p:grpSpPr>
-      <p:sp>
-        <p:nvSpPr>
-          <p:cNvPr id="10" name="Title 9">
-            <a:extLst>
-              <a:ext uri="{FF2B5EF4-FFF2-40B4-BE49-F238E27FC236}">
-                <a16:creationId xmlns:a16="http://schemas.microsoft.com/office/drawing/2014/main" id="{34D47A13-603A-B8C0-25CE-1B585877CA55}"/>
-              </a:ext>
-            </a:extLst>
-          </p:cNvPr>
-          <p:cNvSpPr>
-            <a:spLocks noGrp="1"/>
-          </p:cNvSpPr>
-          <p:nvPr>
-            <p:ph type="title"/>
-          </p:nvPr>
-        </p:nvSpPr>
-        <p:spPr>
-          <a:xfrm>
-            <a:off x="326604" y="384175"/>
-            <a:ext cx="11865396" cy="1600200"/>
-          </a:xfrm>
-        </p:spPr>
-        <p:txBody>
-          <a:bodyPr anchor="ctr">
-            <a:normAutofit/>
-          </a:bodyPr>
-          <a:lstStyle/>
-          <a:p>
-            <a:r>
-              <a:rPr lang="en-US" sz="2800" b="1" dirty="0">
-                <a:latin typeface="Arial" panose="020B0604020202020204" pitchFamily="34" charset="0"/>
-                <a:cs typeface="Arial" panose="020B0604020202020204" pitchFamily="34" charset="0"/>
-              </a:rPr>
-              <a:t>Total Riders Per Day for Each Rider Type</a:t>
-            </a:r>
-          </a:p>
-        </p:txBody>
-      </p:sp>
-      <p:pic>
-        <p:nvPicPr>
-          <p:cNvPr id="14" name="Picture Placeholder 13" descr="Chart, bar chart&#10;&#10;Description automatically generated">
-            <a:extLst>
-              <a:ext uri="{FF2B5EF4-FFF2-40B4-BE49-F238E27FC236}">
-                <a16:creationId xmlns:a16="http://schemas.microsoft.com/office/drawing/2014/main" id="{0C4C5B21-0490-20CE-2CCE-FF7A1F9D29E8}"/>
-              </a:ext>
-            </a:extLst>
-          </p:cNvPr>
-          <p:cNvPicPr>
-            <a:picLocks noGrp="1" noChangeAspect="1"/>
-          </p:cNvPicPr>
-          <p:nvPr>
-            <p:ph type="pic" idx="1"/>
-          </p:nvPr>
-        </p:nvPicPr>
-        <p:blipFill rotWithShape="1">
-          <a:blip r:embed="rId2">
-            <a:extLst>
-              <a:ext uri="{28A0092B-C50C-407E-A947-70E740481C1C}">
-                <a14:useLocalDpi xmlns:a14="http://schemas.microsoft.com/office/drawing/2010/main" val="0"/>
-              </a:ext>
-            </a:extLst>
-          </a:blip>
-          <a:srcRect l="308" r="474"/>
-          <a:stretch/>
-        </p:blipFill>
-        <p:spPr>
-          <a:xfrm>
-            <a:off x="4619625" y="1984375"/>
-            <a:ext cx="7572375" cy="4873625"/>
-          </a:xfrm>
-        </p:spPr>
-      </p:pic>
-      <p:sp>
-        <p:nvSpPr>
-          <p:cNvPr id="12" name="Text Placeholder 11">
-            <a:extLst>
-              <a:ext uri="{FF2B5EF4-FFF2-40B4-BE49-F238E27FC236}">
-                <a16:creationId xmlns:a16="http://schemas.microsoft.com/office/drawing/2014/main" id="{621DE730-63B2-6EFC-2774-5CE40DC9E293}"/>
-              </a:ext>
-            </a:extLst>
-          </p:cNvPr>
-          <p:cNvSpPr>
-            <a:spLocks noGrp="1"/>
-          </p:cNvSpPr>
-          <p:nvPr>
-            <p:ph type="body" sz="half" idx="2"/>
-          </p:nvPr>
-        </p:nvSpPr>
-        <p:spPr>
-          <a:xfrm>
-            <a:off x="326604" y="2515393"/>
-            <a:ext cx="3932237" cy="3811588"/>
-          </a:xfrm>
-        </p:spPr>
-        <p:txBody>
-          <a:bodyPr/>
-          <a:lstStyle/>
-          <a:p>
-            <a:pPr marL="342900" indent="-342900">
-              <a:buAutoNum type="arabicPeriod"/>
-            </a:pPr>
-            <a:r>
-              <a:rPr lang="en-US" dirty="0"/>
-              <a:t>Members ride the most in the middle of the week (Tuesday to Thursday) whereas casual riders use the service mostly on the weekend</a:t>
-            </a:r>
-          </a:p>
-          <a:p>
-            <a:pPr marL="342900" indent="-342900">
-              <a:buAutoNum type="arabicPeriod"/>
-            </a:pPr>
-            <a:endParaRPr lang="en-US" dirty="0"/>
-          </a:p>
-          <a:p>
-            <a:pPr marL="342900" indent="-342900">
-              <a:buAutoNum type="arabicPeriod"/>
-            </a:pPr>
-            <a:r>
-              <a:rPr lang="en-US" dirty="0"/>
-              <a:t>Casual ridership surpasses member ridership on weekends</a:t>
-            </a:r>
-          </a:p>
-        </p:txBody>
-      </p:sp>
-    </p:spTree>
-    <p:extLst>
-      <p:ext uri="{BB962C8B-B14F-4D97-AF65-F5344CB8AC3E}">
-        <p14:creationId xmlns:p14="http://schemas.microsoft.com/office/powerpoint/2010/main" val="3355053490"/>
-      </p:ext>
-    </p:extLst>
-  </p:cSld>
-  <p:clrMapOvr>
-    <a:masterClrMapping/>
-  </p:clrMapOvr>
-</p:sld>
-</file>
-
-<file path=ppt/slides/slide5.xml><?xml version="1.0" encoding="utf-8"?>
-<p:sld xmlns:a="http://schemas.openxmlformats.org/drawingml/2006/main" xmlns:r="http://schemas.openxmlformats.org/officeDocument/2006/relationships" xmlns:p="http://schemas.openxmlformats.org/presentationml/2006/main">
-  <p:cSld>
-    <p:spTree>
-      <p:nvGrpSpPr>
-        <p:cNvPr id="1" name=""/>
-        <p:cNvGrpSpPr/>
-        <p:nvPr/>
-      </p:nvGrpSpPr>
-      <p:grpSpPr>
-        <a:xfrm>
-          <a:off x="0" y="0"/>
-          <a:ext cx="0" cy="0"/>
-          <a:chOff x="0" y="0"/>
-          <a:chExt cx="0" cy="0"/>
-        </a:xfrm>
-      </p:grpSpPr>
-      <p:sp>
-        <p:nvSpPr>
-          <p:cNvPr id="10" name="Title 9">
-            <a:extLst>
-              <a:ext uri="{FF2B5EF4-FFF2-40B4-BE49-F238E27FC236}">
-                <a16:creationId xmlns:a16="http://schemas.microsoft.com/office/drawing/2014/main" id="{34D47A13-603A-B8C0-25CE-1B585877CA55}"/>
-              </a:ext>
-            </a:extLst>
-          </p:cNvPr>
-          <p:cNvSpPr>
-            <a:spLocks noGrp="1"/>
-          </p:cNvSpPr>
-          <p:nvPr>
-            <p:ph type="title"/>
-          </p:nvPr>
-        </p:nvSpPr>
-        <p:spPr>
-          <a:xfrm>
-            <a:off x="326604" y="384175"/>
-            <a:ext cx="11865396" cy="1600200"/>
-          </a:xfrm>
-        </p:spPr>
-        <p:txBody>
-          <a:bodyPr anchor="ctr">
-            <a:normAutofit/>
-          </a:bodyPr>
-          <a:lstStyle/>
-          <a:p>
-            <a:r>
-              <a:rPr lang="en-US" sz="2800" b="1" dirty="0">
-                <a:latin typeface="Arial" panose="020B0604020202020204" pitchFamily="34" charset="0"/>
-                <a:cs typeface="Arial" panose="020B0604020202020204" pitchFamily="34" charset="0"/>
-              </a:rPr>
-              <a:t>Looking at Demand on a Monthly Basis</a:t>
-            </a:r>
-          </a:p>
-        </p:txBody>
-      </p:sp>
-      <p:pic>
-        <p:nvPicPr>
-          <p:cNvPr id="14" name="Picture Placeholder 13">
-            <a:extLst>
-              <a:ext uri="{FF2B5EF4-FFF2-40B4-BE49-F238E27FC236}">
-                <a16:creationId xmlns:a16="http://schemas.microsoft.com/office/drawing/2014/main" id="{0C4C5B21-0490-20CE-2CCE-FF7A1F9D29E8}"/>
-              </a:ext>
-            </a:extLst>
-          </p:cNvPr>
-          <p:cNvPicPr>
-            <a:picLocks noGrp="1" noChangeAspect="1"/>
-          </p:cNvPicPr>
-          <p:nvPr>
-            <p:ph type="pic" idx="1"/>
-          </p:nvPr>
-        </p:nvPicPr>
-        <p:blipFill>
-          <a:blip r:embed="rId2">
-            <a:extLst>
-              <a:ext uri="{28A0092B-C50C-407E-A947-70E740481C1C}">
-                <a14:useLocalDpi xmlns:a14="http://schemas.microsoft.com/office/drawing/2010/main" val="0"/>
-              </a:ext>
-            </a:extLst>
-          </a:blip>
-          <a:srcRect l="391" r="391"/>
-          <a:stretch/>
-        </p:blipFill>
-        <p:spPr>
-          <a:xfrm>
-            <a:off x="4619625" y="1984375"/>
-            <a:ext cx="7572375" cy="4873625"/>
-          </a:xfrm>
-        </p:spPr>
-      </p:pic>
-      <p:sp>
-        <p:nvSpPr>
-          <p:cNvPr id="12" name="Text Placeholder 11">
-            <a:extLst>
-              <a:ext uri="{FF2B5EF4-FFF2-40B4-BE49-F238E27FC236}">
-                <a16:creationId xmlns:a16="http://schemas.microsoft.com/office/drawing/2014/main" id="{621DE730-63B2-6EFC-2774-5CE40DC9E293}"/>
-              </a:ext>
-            </a:extLst>
-          </p:cNvPr>
-          <p:cNvSpPr>
-            <a:spLocks noGrp="1"/>
-          </p:cNvSpPr>
-          <p:nvPr>
-            <p:ph type="body" sz="half" idx="2"/>
-          </p:nvPr>
-        </p:nvSpPr>
-        <p:spPr>
-          <a:xfrm>
-            <a:off x="326604" y="2515393"/>
-            <a:ext cx="3932237" cy="3811588"/>
-          </a:xfrm>
-        </p:spPr>
-        <p:txBody>
-          <a:bodyPr/>
-          <a:lstStyle/>
-          <a:p>
-            <a:pPr marL="342900" indent="-342900">
-              <a:buAutoNum type="arabicPeriod"/>
-            </a:pPr>
-            <a:r>
-              <a:rPr lang="en-US" dirty="0"/>
-              <a:t>Overall, the service sees the most traffic in the summer (May to September) and declines in the colder months</a:t>
-            </a:r>
-          </a:p>
-          <a:p>
-            <a:pPr marL="342900" indent="-342900">
-              <a:buAutoNum type="arabicPeriod"/>
-            </a:pPr>
-            <a:endParaRPr lang="en-US" dirty="0"/>
-          </a:p>
-          <a:p>
-            <a:pPr marL="342900" indent="-342900">
-              <a:buAutoNum type="arabicPeriod"/>
-            </a:pPr>
-            <a:r>
-              <a:rPr lang="en-US" dirty="0"/>
-              <a:t>In the summer, member and casual ridership is similar, however members will ride more often in the winter compared to casual riders.</a:t>
-            </a:r>
-          </a:p>
-        </p:txBody>
-      </p:sp>
-    </p:spTree>
-    <p:extLst>
-      <p:ext uri="{BB962C8B-B14F-4D97-AF65-F5344CB8AC3E}">
-        <p14:creationId xmlns:p14="http://schemas.microsoft.com/office/powerpoint/2010/main" val="1352223280"/>
-      </p:ext>
-    </p:extLst>
-  </p:cSld>
-  <p:clrMapOvr>
-    <a:masterClrMapping/>
-  </p:clrMapOvr>
-</p:sld>
-</file>
-
-<file path=ppt/slides/slide6.xml><?xml version="1.0" encoding="utf-8"?>
 <p:sld xmlns:a="http://schemas.openxmlformats.org/drawingml/2006/main" xmlns:r="http://schemas.openxmlformats.org/officeDocument/2006/relationships" xmlns:p="http://schemas.openxmlformats.org/presentationml/2006/main">
   <p:cSld>
     <p:bg>
@@ -4032,7 +3833,7 @@
                 <a:latin typeface="Arial" panose="020B0604020202020204" pitchFamily="34" charset="0"/>
                 <a:cs typeface="Arial" panose="020B0604020202020204" pitchFamily="34" charset="0"/>
               </a:rPr>
-              <a:t>Differences in Ride Duration</a:t>
+              <a:t>Differences in Rider Volume</a:t>
             </a:r>
           </a:p>
         </p:txBody>
@@ -4040,7 +3841,7 @@
     </p:spTree>
     <p:extLst>
       <p:ext uri="{BB962C8B-B14F-4D97-AF65-F5344CB8AC3E}">
-        <p14:creationId xmlns:p14="http://schemas.microsoft.com/office/powerpoint/2010/main" val="2536138742"/>
+        <p14:creationId xmlns:p14="http://schemas.microsoft.com/office/powerpoint/2010/main" val="3273453703"/>
       </p:ext>
     </p:extLst>
   </p:cSld>
@@ -4050,7 +3851,7 @@
 </p:sld>
 </file>
 
-<file path=ppt/slides/slide7.xml><?xml version="1.0" encoding="utf-8"?>
+<file path=ppt/slides/slide5.xml><?xml version="1.0" encoding="utf-8"?>
 <p:sld xmlns:a="http://schemas.openxmlformats.org/drawingml/2006/main" xmlns:r="http://schemas.openxmlformats.org/officeDocument/2006/relationships" xmlns:p="http://schemas.openxmlformats.org/presentationml/2006/main">
   <p:cSld>
     <p:spTree>
@@ -4100,6 +3901,386 @@
                 <a:latin typeface="Arial" panose="020B0604020202020204" pitchFamily="34" charset="0"/>
                 <a:cs typeface="Arial" panose="020B0604020202020204" pitchFamily="34" charset="0"/>
               </a:rPr>
+              <a:t>Total Riders Per Day for Each Rider Type</a:t>
+            </a:r>
+          </a:p>
+        </p:txBody>
+      </p:sp>
+      <p:pic>
+        <p:nvPicPr>
+          <p:cNvPr id="14" name="Picture Placeholder 13" descr="Chart, bar chart&#10;&#10;Description automatically generated">
+            <a:extLst>
+              <a:ext uri="{FF2B5EF4-FFF2-40B4-BE49-F238E27FC236}">
+                <a16:creationId xmlns:a16="http://schemas.microsoft.com/office/drawing/2014/main" id="{0C4C5B21-0490-20CE-2CCE-FF7A1F9D29E8}"/>
+              </a:ext>
+            </a:extLst>
+          </p:cNvPr>
+          <p:cNvPicPr>
+            <a:picLocks noGrp="1" noChangeAspect="1"/>
+          </p:cNvPicPr>
+          <p:nvPr>
+            <p:ph type="pic" idx="1"/>
+          </p:nvPr>
+        </p:nvPicPr>
+        <p:blipFill rotWithShape="1">
+          <a:blip r:embed="rId2">
+            <a:extLst>
+              <a:ext uri="{28A0092B-C50C-407E-A947-70E740481C1C}">
+                <a14:useLocalDpi xmlns:a14="http://schemas.microsoft.com/office/drawing/2010/main" val="0"/>
+              </a:ext>
+            </a:extLst>
+          </a:blip>
+          <a:srcRect l="308" r="474"/>
+          <a:stretch/>
+        </p:blipFill>
+        <p:spPr>
+          <a:xfrm>
+            <a:off x="4619625" y="1984375"/>
+            <a:ext cx="7572375" cy="4873625"/>
+          </a:xfrm>
+        </p:spPr>
+      </p:pic>
+      <p:sp>
+        <p:nvSpPr>
+          <p:cNvPr id="12" name="Text Placeholder 11">
+            <a:extLst>
+              <a:ext uri="{FF2B5EF4-FFF2-40B4-BE49-F238E27FC236}">
+                <a16:creationId xmlns:a16="http://schemas.microsoft.com/office/drawing/2014/main" id="{621DE730-63B2-6EFC-2774-5CE40DC9E293}"/>
+              </a:ext>
+            </a:extLst>
+          </p:cNvPr>
+          <p:cNvSpPr>
+            <a:spLocks noGrp="1"/>
+          </p:cNvSpPr>
+          <p:nvPr>
+            <p:ph type="body" sz="half" idx="2"/>
+          </p:nvPr>
+        </p:nvSpPr>
+        <p:spPr>
+          <a:xfrm>
+            <a:off x="326604" y="2515393"/>
+            <a:ext cx="3932237" cy="3811588"/>
+          </a:xfrm>
+        </p:spPr>
+        <p:txBody>
+          <a:bodyPr/>
+          <a:lstStyle/>
+          <a:p>
+            <a:pPr marL="342900" indent="-342900">
+              <a:buAutoNum type="arabicPeriod"/>
+            </a:pPr>
+            <a:r>
+              <a:rPr lang="en-US" dirty="0"/>
+              <a:t>Members ride the most in the middle of the week (Tuesday to Thursday) whereas casual riders use the service mostly on the weekend</a:t>
+            </a:r>
+          </a:p>
+          <a:p>
+            <a:pPr marL="342900" indent="-342900">
+              <a:buAutoNum type="arabicPeriod"/>
+            </a:pPr>
+            <a:endParaRPr lang="en-US" dirty="0"/>
+          </a:p>
+          <a:p>
+            <a:pPr marL="342900" indent="-342900">
+              <a:buAutoNum type="arabicPeriod"/>
+            </a:pPr>
+            <a:r>
+              <a:rPr lang="en-US" dirty="0"/>
+              <a:t>Casual ridership surpasses member ridership on weekends</a:t>
+            </a:r>
+          </a:p>
+        </p:txBody>
+      </p:sp>
+    </p:spTree>
+    <p:extLst>
+      <p:ext uri="{BB962C8B-B14F-4D97-AF65-F5344CB8AC3E}">
+        <p14:creationId xmlns:p14="http://schemas.microsoft.com/office/powerpoint/2010/main" val="3355053490"/>
+      </p:ext>
+    </p:extLst>
+  </p:cSld>
+  <p:clrMapOvr>
+    <a:masterClrMapping/>
+  </p:clrMapOvr>
+</p:sld>
+</file>
+
+<file path=ppt/slides/slide6.xml><?xml version="1.0" encoding="utf-8"?>
+<p:sld xmlns:a="http://schemas.openxmlformats.org/drawingml/2006/main" xmlns:r="http://schemas.openxmlformats.org/officeDocument/2006/relationships" xmlns:p="http://schemas.openxmlformats.org/presentationml/2006/main">
+  <p:cSld>
+    <p:spTree>
+      <p:nvGrpSpPr>
+        <p:cNvPr id="1" name=""/>
+        <p:cNvGrpSpPr/>
+        <p:nvPr/>
+      </p:nvGrpSpPr>
+      <p:grpSpPr>
+        <a:xfrm>
+          <a:off x="0" y="0"/>
+          <a:ext cx="0" cy="0"/>
+          <a:chOff x="0" y="0"/>
+          <a:chExt cx="0" cy="0"/>
+        </a:xfrm>
+      </p:grpSpPr>
+      <p:sp>
+        <p:nvSpPr>
+          <p:cNvPr id="10" name="Title 9">
+            <a:extLst>
+              <a:ext uri="{FF2B5EF4-FFF2-40B4-BE49-F238E27FC236}">
+                <a16:creationId xmlns:a16="http://schemas.microsoft.com/office/drawing/2014/main" id="{34D47A13-603A-B8C0-25CE-1B585877CA55}"/>
+              </a:ext>
+            </a:extLst>
+          </p:cNvPr>
+          <p:cNvSpPr>
+            <a:spLocks noGrp="1"/>
+          </p:cNvSpPr>
+          <p:nvPr>
+            <p:ph type="title"/>
+          </p:nvPr>
+        </p:nvSpPr>
+        <p:spPr>
+          <a:xfrm>
+            <a:off x="326604" y="384175"/>
+            <a:ext cx="11865396" cy="1600200"/>
+          </a:xfrm>
+        </p:spPr>
+        <p:txBody>
+          <a:bodyPr anchor="ctr">
+            <a:normAutofit/>
+          </a:bodyPr>
+          <a:lstStyle/>
+          <a:p>
+            <a:r>
+              <a:rPr lang="en-US" sz="2800" b="1" dirty="0">
+                <a:latin typeface="Arial" panose="020B0604020202020204" pitchFamily="34" charset="0"/>
+                <a:cs typeface="Arial" panose="020B0604020202020204" pitchFamily="34" charset="0"/>
+              </a:rPr>
+              <a:t>Looking at Demand on a Monthly Basis</a:t>
+            </a:r>
+          </a:p>
+        </p:txBody>
+      </p:sp>
+      <p:pic>
+        <p:nvPicPr>
+          <p:cNvPr id="14" name="Picture Placeholder 13">
+            <a:extLst>
+              <a:ext uri="{FF2B5EF4-FFF2-40B4-BE49-F238E27FC236}">
+                <a16:creationId xmlns:a16="http://schemas.microsoft.com/office/drawing/2014/main" id="{0C4C5B21-0490-20CE-2CCE-FF7A1F9D29E8}"/>
+              </a:ext>
+            </a:extLst>
+          </p:cNvPr>
+          <p:cNvPicPr>
+            <a:picLocks noGrp="1" noChangeAspect="1"/>
+          </p:cNvPicPr>
+          <p:nvPr>
+            <p:ph type="pic" idx="1"/>
+          </p:nvPr>
+        </p:nvPicPr>
+        <p:blipFill>
+          <a:blip r:embed="rId2">
+            <a:extLst>
+              <a:ext uri="{28A0092B-C50C-407E-A947-70E740481C1C}">
+                <a14:useLocalDpi xmlns:a14="http://schemas.microsoft.com/office/drawing/2010/main" val="0"/>
+              </a:ext>
+            </a:extLst>
+          </a:blip>
+          <a:srcRect l="391" r="391"/>
+          <a:stretch/>
+        </p:blipFill>
+        <p:spPr>
+          <a:xfrm>
+            <a:off x="4619625" y="1984375"/>
+            <a:ext cx="7572375" cy="4873625"/>
+          </a:xfrm>
+        </p:spPr>
+      </p:pic>
+      <p:sp>
+        <p:nvSpPr>
+          <p:cNvPr id="12" name="Text Placeholder 11">
+            <a:extLst>
+              <a:ext uri="{FF2B5EF4-FFF2-40B4-BE49-F238E27FC236}">
+                <a16:creationId xmlns:a16="http://schemas.microsoft.com/office/drawing/2014/main" id="{621DE730-63B2-6EFC-2774-5CE40DC9E293}"/>
+              </a:ext>
+            </a:extLst>
+          </p:cNvPr>
+          <p:cNvSpPr>
+            <a:spLocks noGrp="1"/>
+          </p:cNvSpPr>
+          <p:nvPr>
+            <p:ph type="body" sz="half" idx="2"/>
+          </p:nvPr>
+        </p:nvSpPr>
+        <p:spPr>
+          <a:xfrm>
+            <a:off x="326604" y="2515393"/>
+            <a:ext cx="3932237" cy="3811588"/>
+          </a:xfrm>
+        </p:spPr>
+        <p:txBody>
+          <a:bodyPr/>
+          <a:lstStyle/>
+          <a:p>
+            <a:pPr marL="342900" indent="-342900">
+              <a:buAutoNum type="arabicPeriod"/>
+            </a:pPr>
+            <a:r>
+              <a:rPr lang="en-US" dirty="0"/>
+              <a:t>Overall, the service sees the most traffic in the summer (May to September) and declines in the colder months</a:t>
+            </a:r>
+          </a:p>
+          <a:p>
+            <a:pPr marL="342900" indent="-342900">
+              <a:buAutoNum type="arabicPeriod"/>
+            </a:pPr>
+            <a:endParaRPr lang="en-US" dirty="0"/>
+          </a:p>
+          <a:p>
+            <a:pPr marL="342900" indent="-342900">
+              <a:buAutoNum type="arabicPeriod"/>
+            </a:pPr>
+            <a:r>
+              <a:rPr lang="en-US" dirty="0"/>
+              <a:t>In the summer, member and casual ridership is similar, however members will ride more often in the winter compared to casual riders.</a:t>
+            </a:r>
+          </a:p>
+        </p:txBody>
+      </p:sp>
+    </p:spTree>
+    <p:extLst>
+      <p:ext uri="{BB962C8B-B14F-4D97-AF65-F5344CB8AC3E}">
+        <p14:creationId xmlns:p14="http://schemas.microsoft.com/office/powerpoint/2010/main" val="1352223280"/>
+      </p:ext>
+    </p:extLst>
+  </p:cSld>
+  <p:clrMapOvr>
+    <a:masterClrMapping/>
+  </p:clrMapOvr>
+</p:sld>
+</file>
+
+<file path=ppt/slides/slide7.xml><?xml version="1.0" encoding="utf-8"?>
+<p:sld xmlns:a="http://schemas.openxmlformats.org/drawingml/2006/main" xmlns:r="http://schemas.openxmlformats.org/officeDocument/2006/relationships" xmlns:p="http://schemas.openxmlformats.org/presentationml/2006/main">
+  <p:cSld>
+    <p:bg>
+      <p:bgPr>
+        <a:solidFill>
+          <a:schemeClr val="accent6">
+            <a:lumMod val="40000"/>
+            <a:lumOff val="60000"/>
+          </a:schemeClr>
+        </a:solidFill>
+        <a:effectLst/>
+      </p:bgPr>
+    </p:bg>
+    <p:spTree>
+      <p:nvGrpSpPr>
+        <p:cNvPr id="1" name=""/>
+        <p:cNvGrpSpPr/>
+        <p:nvPr/>
+      </p:nvGrpSpPr>
+      <p:grpSpPr>
+        <a:xfrm>
+          <a:off x="0" y="0"/>
+          <a:ext cx="0" cy="0"/>
+          <a:chOff x="0" y="0"/>
+          <a:chExt cx="0" cy="0"/>
+        </a:xfrm>
+      </p:grpSpPr>
+      <p:sp>
+        <p:nvSpPr>
+          <p:cNvPr id="2" name="Title 1">
+            <a:extLst>
+              <a:ext uri="{FF2B5EF4-FFF2-40B4-BE49-F238E27FC236}">
+                <a16:creationId xmlns:a16="http://schemas.microsoft.com/office/drawing/2014/main" id="{2E1BFBAA-1CAD-4491-9160-A65F4CA3B7C2}"/>
+              </a:ext>
+            </a:extLst>
+          </p:cNvPr>
+          <p:cNvSpPr>
+            <a:spLocks noGrp="1"/>
+          </p:cNvSpPr>
+          <p:nvPr>
+            <p:ph type="title"/>
+          </p:nvPr>
+        </p:nvSpPr>
+        <p:spPr/>
+        <p:txBody>
+          <a:bodyPr>
+            <a:normAutofit/>
+          </a:bodyPr>
+          <a:lstStyle/>
+          <a:p>
+            <a:r>
+              <a:rPr lang="en-US" sz="4000" b="1" dirty="0">
+                <a:latin typeface="Arial" panose="020B0604020202020204" pitchFamily="34" charset="0"/>
+                <a:cs typeface="Arial" panose="020B0604020202020204" pitchFamily="34" charset="0"/>
+              </a:rPr>
+              <a:t>Differences in Ride Duration</a:t>
+            </a:r>
+          </a:p>
+        </p:txBody>
+      </p:sp>
+    </p:spTree>
+    <p:extLst>
+      <p:ext uri="{BB962C8B-B14F-4D97-AF65-F5344CB8AC3E}">
+        <p14:creationId xmlns:p14="http://schemas.microsoft.com/office/powerpoint/2010/main" val="2536138742"/>
+      </p:ext>
+    </p:extLst>
+  </p:cSld>
+  <p:clrMapOvr>
+    <a:masterClrMapping/>
+  </p:clrMapOvr>
+</p:sld>
+</file>
+
+<file path=ppt/slides/slide8.xml><?xml version="1.0" encoding="utf-8"?>
+<p:sld xmlns:a="http://schemas.openxmlformats.org/drawingml/2006/main" xmlns:r="http://schemas.openxmlformats.org/officeDocument/2006/relationships" xmlns:p="http://schemas.openxmlformats.org/presentationml/2006/main">
+  <p:cSld>
+    <p:spTree>
+      <p:nvGrpSpPr>
+        <p:cNvPr id="1" name=""/>
+        <p:cNvGrpSpPr/>
+        <p:nvPr/>
+      </p:nvGrpSpPr>
+      <p:grpSpPr>
+        <a:xfrm>
+          <a:off x="0" y="0"/>
+          <a:ext cx="0" cy="0"/>
+          <a:chOff x="0" y="0"/>
+          <a:chExt cx="0" cy="0"/>
+        </a:xfrm>
+      </p:grpSpPr>
+      <p:sp>
+        <p:nvSpPr>
+          <p:cNvPr id="10" name="Title 9">
+            <a:extLst>
+              <a:ext uri="{FF2B5EF4-FFF2-40B4-BE49-F238E27FC236}">
+                <a16:creationId xmlns:a16="http://schemas.microsoft.com/office/drawing/2014/main" id="{34D47A13-603A-B8C0-25CE-1B585877CA55}"/>
+              </a:ext>
+            </a:extLst>
+          </p:cNvPr>
+          <p:cNvSpPr>
+            <a:spLocks noGrp="1"/>
+          </p:cNvSpPr>
+          <p:nvPr>
+            <p:ph type="title"/>
+          </p:nvPr>
+        </p:nvSpPr>
+        <p:spPr>
+          <a:xfrm>
+            <a:off x="326604" y="384175"/>
+            <a:ext cx="11865396" cy="1600200"/>
+          </a:xfrm>
+        </p:spPr>
+        <p:txBody>
+          <a:bodyPr anchor="ctr">
+            <a:normAutofit/>
+          </a:bodyPr>
+          <a:lstStyle/>
+          <a:p>
+            <a:r>
+              <a:rPr lang="en-US" sz="2800" b="1" dirty="0">
+                <a:latin typeface="Arial" panose="020B0604020202020204" pitchFamily="34" charset="0"/>
+                <a:cs typeface="Arial" panose="020B0604020202020204" pitchFamily="34" charset="0"/>
+              </a:rPr>
               <a:t>Average Ride Length per Day</a:t>
             </a:r>
           </a:p>
@@ -4203,7 +4384,7 @@
 </p:sld>
 </file>
 
-<file path=ppt/slides/slide8.xml><?xml version="1.0" encoding="utf-8"?>
+<file path=ppt/slides/slide9.xml><?xml version="1.0" encoding="utf-8"?>
 <p:sld xmlns:a="http://schemas.openxmlformats.org/drawingml/2006/main" xmlns:r="http://schemas.openxmlformats.org/officeDocument/2006/relationships" xmlns:p="http://schemas.openxmlformats.org/presentationml/2006/main">
   <p:cSld>
     <p:spTree>

--- a/analysis_presentation.pptx
+++ b/analysis_presentation.pptx
@@ -267,7 +267,7 @@
           <a:p>
             <a:fld id="{24C2F64E-3178-4F27-BD91-A54AA02EA10B}" type="datetimeFigureOut">
               <a:rPr lang="en-US" smtClean="0"/>
-              <a:t>8/30/2022</a:t>
+              <a:t>8/31/2022</a:t>
             </a:fld>
             <a:endParaRPr lang="en-US"/>
           </a:p>
@@ -465,7 +465,7 @@
           <a:p>
             <a:fld id="{24C2F64E-3178-4F27-BD91-A54AA02EA10B}" type="datetimeFigureOut">
               <a:rPr lang="en-US" smtClean="0"/>
-              <a:t>8/30/2022</a:t>
+              <a:t>8/31/2022</a:t>
             </a:fld>
             <a:endParaRPr lang="en-US"/>
           </a:p>
@@ -673,7 +673,7 @@
           <a:p>
             <a:fld id="{24C2F64E-3178-4F27-BD91-A54AA02EA10B}" type="datetimeFigureOut">
               <a:rPr lang="en-US" smtClean="0"/>
-              <a:t>8/30/2022</a:t>
+              <a:t>8/31/2022</a:t>
             </a:fld>
             <a:endParaRPr lang="en-US"/>
           </a:p>
@@ -871,7 +871,7 @@
           <a:p>
             <a:fld id="{24C2F64E-3178-4F27-BD91-A54AA02EA10B}" type="datetimeFigureOut">
               <a:rPr lang="en-US" smtClean="0"/>
-              <a:t>8/30/2022</a:t>
+              <a:t>8/31/2022</a:t>
             </a:fld>
             <a:endParaRPr lang="en-US"/>
           </a:p>
@@ -1146,7 +1146,7 @@
           <a:p>
             <a:fld id="{24C2F64E-3178-4F27-BD91-A54AA02EA10B}" type="datetimeFigureOut">
               <a:rPr lang="en-US" smtClean="0"/>
-              <a:t>8/30/2022</a:t>
+              <a:t>8/31/2022</a:t>
             </a:fld>
             <a:endParaRPr lang="en-US"/>
           </a:p>
@@ -1411,7 +1411,7 @@
           <a:p>
             <a:fld id="{24C2F64E-3178-4F27-BD91-A54AA02EA10B}" type="datetimeFigureOut">
               <a:rPr lang="en-US" smtClean="0"/>
-              <a:t>8/30/2022</a:t>
+              <a:t>8/31/2022</a:t>
             </a:fld>
             <a:endParaRPr lang="en-US"/>
           </a:p>
@@ -1823,7 +1823,7 @@
           <a:p>
             <a:fld id="{24C2F64E-3178-4F27-BD91-A54AA02EA10B}" type="datetimeFigureOut">
               <a:rPr lang="en-US" smtClean="0"/>
-              <a:t>8/30/2022</a:t>
+              <a:t>8/31/2022</a:t>
             </a:fld>
             <a:endParaRPr lang="en-US"/>
           </a:p>
@@ -1964,7 +1964,7 @@
           <a:p>
             <a:fld id="{24C2F64E-3178-4F27-BD91-A54AA02EA10B}" type="datetimeFigureOut">
               <a:rPr lang="en-US" smtClean="0"/>
-              <a:t>8/30/2022</a:t>
+              <a:t>8/31/2022</a:t>
             </a:fld>
             <a:endParaRPr lang="en-US"/>
           </a:p>
@@ -2077,7 +2077,7 @@
           <a:p>
             <a:fld id="{24C2F64E-3178-4F27-BD91-A54AA02EA10B}" type="datetimeFigureOut">
               <a:rPr lang="en-US" smtClean="0"/>
-              <a:t>8/30/2022</a:t>
+              <a:t>8/31/2022</a:t>
             </a:fld>
             <a:endParaRPr lang="en-US"/>
           </a:p>
@@ -2388,7 +2388,7 @@
           <a:p>
             <a:fld id="{24C2F64E-3178-4F27-BD91-A54AA02EA10B}" type="datetimeFigureOut">
               <a:rPr lang="en-US" smtClean="0"/>
-              <a:t>8/30/2022</a:t>
+              <a:t>8/31/2022</a:t>
             </a:fld>
             <a:endParaRPr lang="en-US"/>
           </a:p>
@@ -2676,7 +2676,7 @@
           <a:p>
             <a:fld id="{24C2F64E-3178-4F27-BD91-A54AA02EA10B}" type="datetimeFigureOut">
               <a:rPr lang="en-US" smtClean="0"/>
-              <a:t>8/30/2022</a:t>
+              <a:t>8/31/2022</a:t>
             </a:fld>
             <a:endParaRPr lang="en-US"/>
           </a:p>
@@ -2917,7 +2917,7 @@
           <a:p>
             <a:fld id="{24C2F64E-3178-4F27-BD91-A54AA02EA10B}" type="datetimeFigureOut">
               <a:rPr lang="en-US" smtClean="0"/>
-              <a:t>8/30/2022</a:t>
+              <a:t>8/31/2022</a:t>
             </a:fld>
             <a:endParaRPr lang="en-US"/>
           </a:p>

--- a/analysis_presentation.pptx
+++ b/analysis_presentation.pptx
@@ -8,12 +8,18 @@
     <p:sldId id="256" r:id="rId2"/>
     <p:sldId id="264" r:id="rId3"/>
     <p:sldId id="265" r:id="rId4"/>
-    <p:sldId id="258" r:id="rId5"/>
-    <p:sldId id="260" r:id="rId6"/>
-    <p:sldId id="262" r:id="rId7"/>
-    <p:sldId id="259" r:id="rId8"/>
-    <p:sldId id="261" r:id="rId9"/>
-    <p:sldId id="263" r:id="rId10"/>
+    <p:sldId id="270" r:id="rId5"/>
+    <p:sldId id="267" r:id="rId6"/>
+    <p:sldId id="268" r:id="rId7"/>
+    <p:sldId id="258" r:id="rId8"/>
+    <p:sldId id="262" r:id="rId9"/>
+    <p:sldId id="260" r:id="rId10"/>
+    <p:sldId id="259" r:id="rId11"/>
+    <p:sldId id="263" r:id="rId12"/>
+    <p:sldId id="261" r:id="rId13"/>
+    <p:sldId id="269" r:id="rId14"/>
+    <p:sldId id="271" r:id="rId15"/>
+    <p:sldId id="272" r:id="rId16"/>
   </p:sldIdLst>
   <p:sldSz cx="12192000" cy="6858000"/>
   <p:notesSz cx="6858000" cy="9144000"/>
@@ -267,7 +273,7 @@
           <a:p>
             <a:fld id="{24C2F64E-3178-4F27-BD91-A54AA02EA10B}" type="datetimeFigureOut">
               <a:rPr lang="en-US" smtClean="0"/>
-              <a:t>8/31/2022</a:t>
+              <a:t>9/7/2022</a:t>
             </a:fld>
             <a:endParaRPr lang="en-US"/>
           </a:p>
@@ -465,7 +471,7 @@
           <a:p>
             <a:fld id="{24C2F64E-3178-4F27-BD91-A54AA02EA10B}" type="datetimeFigureOut">
               <a:rPr lang="en-US" smtClean="0"/>
-              <a:t>8/31/2022</a:t>
+              <a:t>9/7/2022</a:t>
             </a:fld>
             <a:endParaRPr lang="en-US"/>
           </a:p>
@@ -673,7 +679,7 @@
           <a:p>
             <a:fld id="{24C2F64E-3178-4F27-BD91-A54AA02EA10B}" type="datetimeFigureOut">
               <a:rPr lang="en-US" smtClean="0"/>
-              <a:t>8/31/2022</a:t>
+              <a:t>9/7/2022</a:t>
             </a:fld>
             <a:endParaRPr lang="en-US"/>
           </a:p>
@@ -871,7 +877,7 @@
           <a:p>
             <a:fld id="{24C2F64E-3178-4F27-BD91-A54AA02EA10B}" type="datetimeFigureOut">
               <a:rPr lang="en-US" smtClean="0"/>
-              <a:t>8/31/2022</a:t>
+              <a:t>9/7/2022</a:t>
             </a:fld>
             <a:endParaRPr lang="en-US"/>
           </a:p>
@@ -1146,7 +1152,7 @@
           <a:p>
             <a:fld id="{24C2F64E-3178-4F27-BD91-A54AA02EA10B}" type="datetimeFigureOut">
               <a:rPr lang="en-US" smtClean="0"/>
-              <a:t>8/31/2022</a:t>
+              <a:t>9/7/2022</a:t>
             </a:fld>
             <a:endParaRPr lang="en-US"/>
           </a:p>
@@ -1411,7 +1417,7 @@
           <a:p>
             <a:fld id="{24C2F64E-3178-4F27-BD91-A54AA02EA10B}" type="datetimeFigureOut">
               <a:rPr lang="en-US" smtClean="0"/>
-              <a:t>8/31/2022</a:t>
+              <a:t>9/7/2022</a:t>
             </a:fld>
             <a:endParaRPr lang="en-US"/>
           </a:p>
@@ -1823,7 +1829,7 @@
           <a:p>
             <a:fld id="{24C2F64E-3178-4F27-BD91-A54AA02EA10B}" type="datetimeFigureOut">
               <a:rPr lang="en-US" smtClean="0"/>
-              <a:t>8/31/2022</a:t>
+              <a:t>9/7/2022</a:t>
             </a:fld>
             <a:endParaRPr lang="en-US"/>
           </a:p>
@@ -1964,7 +1970,7 @@
           <a:p>
             <a:fld id="{24C2F64E-3178-4F27-BD91-A54AA02EA10B}" type="datetimeFigureOut">
               <a:rPr lang="en-US" smtClean="0"/>
-              <a:t>8/31/2022</a:t>
+              <a:t>9/7/2022</a:t>
             </a:fld>
             <a:endParaRPr lang="en-US"/>
           </a:p>
@@ -2077,7 +2083,7 @@
           <a:p>
             <a:fld id="{24C2F64E-3178-4F27-BD91-A54AA02EA10B}" type="datetimeFigureOut">
               <a:rPr lang="en-US" smtClean="0"/>
-              <a:t>8/31/2022</a:t>
+              <a:t>9/7/2022</a:t>
             </a:fld>
             <a:endParaRPr lang="en-US"/>
           </a:p>
@@ -2388,7 +2394,7 @@
           <a:p>
             <a:fld id="{24C2F64E-3178-4F27-BD91-A54AA02EA10B}" type="datetimeFigureOut">
               <a:rPr lang="en-US" smtClean="0"/>
-              <a:t>8/31/2022</a:t>
+              <a:t>9/7/2022</a:t>
             </a:fld>
             <a:endParaRPr lang="en-US"/>
           </a:p>
@@ -2676,7 +2682,7 @@
           <a:p>
             <a:fld id="{24C2F64E-3178-4F27-BD91-A54AA02EA10B}" type="datetimeFigureOut">
               <a:rPr lang="en-US" smtClean="0"/>
-              <a:t>8/31/2022</a:t>
+              <a:t>9/7/2022</a:t>
             </a:fld>
             <a:endParaRPr lang="en-US"/>
           </a:p>
@@ -2917,7 +2923,7 @@
           <a:p>
             <a:fld id="{24C2F64E-3178-4F27-BD91-A54AA02EA10B}" type="datetimeFigureOut">
               <a:rPr lang="en-US" smtClean="0"/>
-              <a:t>8/31/2022</a:t>
+              <a:t>9/7/2022</a:t>
             </a:fld>
             <a:endParaRPr lang="en-US"/>
           </a:p>
@@ -3450,6 +3456,843 @@
 </p:sld>
 </file>
 
+<file path=ppt/slides/slide10.xml><?xml version="1.0" encoding="utf-8"?>
+<p:sld xmlns:a="http://schemas.openxmlformats.org/drawingml/2006/main" xmlns:r="http://schemas.openxmlformats.org/officeDocument/2006/relationships" xmlns:p="http://schemas.openxmlformats.org/presentationml/2006/main">
+  <p:cSld>
+    <p:bg>
+      <p:bgPr>
+        <a:solidFill>
+          <a:schemeClr val="accent6">
+            <a:lumMod val="40000"/>
+            <a:lumOff val="60000"/>
+          </a:schemeClr>
+        </a:solidFill>
+        <a:effectLst/>
+      </p:bgPr>
+    </p:bg>
+    <p:spTree>
+      <p:nvGrpSpPr>
+        <p:cNvPr id="1" name=""/>
+        <p:cNvGrpSpPr/>
+        <p:nvPr/>
+      </p:nvGrpSpPr>
+      <p:grpSpPr>
+        <a:xfrm>
+          <a:off x="0" y="0"/>
+          <a:ext cx="0" cy="0"/>
+          <a:chOff x="0" y="0"/>
+          <a:chExt cx="0" cy="0"/>
+        </a:xfrm>
+      </p:grpSpPr>
+      <p:sp>
+        <p:nvSpPr>
+          <p:cNvPr id="2" name="Title 1">
+            <a:extLst>
+              <a:ext uri="{FF2B5EF4-FFF2-40B4-BE49-F238E27FC236}">
+                <a16:creationId xmlns:a16="http://schemas.microsoft.com/office/drawing/2014/main" id="{2E1BFBAA-1CAD-4491-9160-A65F4CA3B7C2}"/>
+              </a:ext>
+            </a:extLst>
+          </p:cNvPr>
+          <p:cNvSpPr>
+            <a:spLocks noGrp="1"/>
+          </p:cNvSpPr>
+          <p:nvPr>
+            <p:ph type="title"/>
+          </p:nvPr>
+        </p:nvSpPr>
+        <p:spPr/>
+        <p:txBody>
+          <a:bodyPr>
+            <a:normAutofit/>
+          </a:bodyPr>
+          <a:lstStyle/>
+          <a:p>
+            <a:r>
+              <a:rPr lang="en-US" sz="4000" b="1" dirty="0">
+                <a:latin typeface="Arial" panose="020B0604020202020204" pitchFamily="34" charset="0"/>
+                <a:cs typeface="Arial" panose="020B0604020202020204" pitchFamily="34" charset="0"/>
+              </a:rPr>
+              <a:t>Differences in Ride Duration</a:t>
+            </a:r>
+          </a:p>
+        </p:txBody>
+      </p:sp>
+    </p:spTree>
+    <p:extLst>
+      <p:ext uri="{BB962C8B-B14F-4D97-AF65-F5344CB8AC3E}">
+        <p14:creationId xmlns:p14="http://schemas.microsoft.com/office/powerpoint/2010/main" val="2536138742"/>
+      </p:ext>
+    </p:extLst>
+  </p:cSld>
+  <p:clrMapOvr>
+    <a:masterClrMapping/>
+  </p:clrMapOvr>
+</p:sld>
+</file>
+
+<file path=ppt/slides/slide11.xml><?xml version="1.0" encoding="utf-8"?>
+<p:sld xmlns:a="http://schemas.openxmlformats.org/drawingml/2006/main" xmlns:r="http://schemas.openxmlformats.org/officeDocument/2006/relationships" xmlns:p="http://schemas.openxmlformats.org/presentationml/2006/main">
+  <p:cSld>
+    <p:spTree>
+      <p:nvGrpSpPr>
+        <p:cNvPr id="1" name=""/>
+        <p:cNvGrpSpPr/>
+        <p:nvPr/>
+      </p:nvGrpSpPr>
+      <p:grpSpPr>
+        <a:xfrm>
+          <a:off x="0" y="0"/>
+          <a:ext cx="0" cy="0"/>
+          <a:chOff x="0" y="0"/>
+          <a:chExt cx="0" cy="0"/>
+        </a:xfrm>
+      </p:grpSpPr>
+      <p:sp>
+        <p:nvSpPr>
+          <p:cNvPr id="10" name="Title 9">
+            <a:extLst>
+              <a:ext uri="{FF2B5EF4-FFF2-40B4-BE49-F238E27FC236}">
+                <a16:creationId xmlns:a16="http://schemas.microsoft.com/office/drawing/2014/main" id="{34D47A13-603A-B8C0-25CE-1B585877CA55}"/>
+              </a:ext>
+            </a:extLst>
+          </p:cNvPr>
+          <p:cNvSpPr>
+            <a:spLocks noGrp="1"/>
+          </p:cNvSpPr>
+          <p:nvPr>
+            <p:ph type="title"/>
+          </p:nvPr>
+        </p:nvSpPr>
+        <p:spPr>
+          <a:xfrm>
+            <a:off x="326604" y="384175"/>
+            <a:ext cx="11865396" cy="1600200"/>
+          </a:xfrm>
+        </p:spPr>
+        <p:txBody>
+          <a:bodyPr anchor="ctr">
+            <a:normAutofit/>
+          </a:bodyPr>
+          <a:lstStyle/>
+          <a:p>
+            <a:r>
+              <a:rPr lang="en-US" sz="2800" b="1" dirty="0">
+                <a:latin typeface="Arial" panose="020B0604020202020204" pitchFamily="34" charset="0"/>
+                <a:cs typeface="Arial" panose="020B0604020202020204" pitchFamily="34" charset="0"/>
+              </a:rPr>
+              <a:t>Average Ride Length per Month</a:t>
+            </a:r>
+          </a:p>
+        </p:txBody>
+      </p:sp>
+      <p:pic>
+        <p:nvPicPr>
+          <p:cNvPr id="14" name="Picture Placeholder 13">
+            <a:extLst>
+              <a:ext uri="{FF2B5EF4-FFF2-40B4-BE49-F238E27FC236}">
+                <a16:creationId xmlns:a16="http://schemas.microsoft.com/office/drawing/2014/main" id="{0C4C5B21-0490-20CE-2CCE-FF7A1F9D29E8}"/>
+              </a:ext>
+            </a:extLst>
+          </p:cNvPr>
+          <p:cNvPicPr>
+            <a:picLocks noGrp="1" noChangeAspect="1"/>
+          </p:cNvPicPr>
+          <p:nvPr>
+            <p:ph type="pic" idx="1"/>
+          </p:nvPr>
+        </p:nvPicPr>
+        <p:blipFill>
+          <a:blip r:embed="rId2">
+            <a:extLst>
+              <a:ext uri="{28A0092B-C50C-407E-A947-70E740481C1C}">
+                <a14:useLocalDpi xmlns:a14="http://schemas.microsoft.com/office/drawing/2010/main" val="0"/>
+              </a:ext>
+            </a:extLst>
+          </a:blip>
+          <a:srcRect l="391" r="391"/>
+          <a:stretch/>
+        </p:blipFill>
+        <p:spPr>
+          <a:xfrm>
+            <a:off x="4619625" y="1984375"/>
+            <a:ext cx="7572375" cy="4873625"/>
+          </a:xfrm>
+        </p:spPr>
+      </p:pic>
+      <p:sp>
+        <p:nvSpPr>
+          <p:cNvPr id="12" name="Text Placeholder 11">
+            <a:extLst>
+              <a:ext uri="{FF2B5EF4-FFF2-40B4-BE49-F238E27FC236}">
+                <a16:creationId xmlns:a16="http://schemas.microsoft.com/office/drawing/2014/main" id="{621DE730-63B2-6EFC-2774-5CE40DC9E293}"/>
+              </a:ext>
+            </a:extLst>
+          </p:cNvPr>
+          <p:cNvSpPr>
+            <a:spLocks noGrp="1"/>
+          </p:cNvSpPr>
+          <p:nvPr>
+            <p:ph type="body" sz="half" idx="2"/>
+          </p:nvPr>
+        </p:nvSpPr>
+        <p:spPr>
+          <a:xfrm>
+            <a:off x="326604" y="2515393"/>
+            <a:ext cx="3932237" cy="3811588"/>
+          </a:xfrm>
+        </p:spPr>
+        <p:txBody>
+          <a:bodyPr/>
+          <a:lstStyle/>
+          <a:p>
+            <a:pPr marL="342900" indent="-342900">
+              <a:buAutoNum type="arabicPeriod"/>
+            </a:pPr>
+            <a:r>
+              <a:rPr lang="en-US" dirty="0"/>
+              <a:t>On average, casual riders ride a significantly longer amount of time when compared against riders with memberships.</a:t>
+            </a:r>
+          </a:p>
+          <a:p>
+            <a:pPr marL="342900" indent="-342900">
+              <a:buAutoNum type="arabicPeriod"/>
+            </a:pPr>
+            <a:r>
+              <a:rPr lang="en-US" dirty="0"/>
+              <a:t>While both groups ride more in the summer months, riders with memberships tend to ride a consistent amount of time throughout the year.</a:t>
+            </a:r>
+          </a:p>
+        </p:txBody>
+      </p:sp>
+    </p:spTree>
+    <p:extLst>
+      <p:ext uri="{BB962C8B-B14F-4D97-AF65-F5344CB8AC3E}">
+        <p14:creationId xmlns:p14="http://schemas.microsoft.com/office/powerpoint/2010/main" val="1770915298"/>
+      </p:ext>
+    </p:extLst>
+  </p:cSld>
+  <p:clrMapOvr>
+    <a:masterClrMapping/>
+  </p:clrMapOvr>
+</p:sld>
+</file>
+
+<file path=ppt/slides/slide12.xml><?xml version="1.0" encoding="utf-8"?>
+<p:sld xmlns:a="http://schemas.openxmlformats.org/drawingml/2006/main" xmlns:r="http://schemas.openxmlformats.org/officeDocument/2006/relationships" xmlns:p="http://schemas.openxmlformats.org/presentationml/2006/main">
+  <p:cSld>
+    <p:spTree>
+      <p:nvGrpSpPr>
+        <p:cNvPr id="1" name=""/>
+        <p:cNvGrpSpPr/>
+        <p:nvPr/>
+      </p:nvGrpSpPr>
+      <p:grpSpPr>
+        <a:xfrm>
+          <a:off x="0" y="0"/>
+          <a:ext cx="0" cy="0"/>
+          <a:chOff x="0" y="0"/>
+          <a:chExt cx="0" cy="0"/>
+        </a:xfrm>
+      </p:grpSpPr>
+      <p:sp>
+        <p:nvSpPr>
+          <p:cNvPr id="10" name="Title 9">
+            <a:extLst>
+              <a:ext uri="{FF2B5EF4-FFF2-40B4-BE49-F238E27FC236}">
+                <a16:creationId xmlns:a16="http://schemas.microsoft.com/office/drawing/2014/main" id="{34D47A13-603A-B8C0-25CE-1B585877CA55}"/>
+              </a:ext>
+            </a:extLst>
+          </p:cNvPr>
+          <p:cNvSpPr>
+            <a:spLocks noGrp="1"/>
+          </p:cNvSpPr>
+          <p:nvPr>
+            <p:ph type="title"/>
+          </p:nvPr>
+        </p:nvSpPr>
+        <p:spPr>
+          <a:xfrm>
+            <a:off x="326604" y="384175"/>
+            <a:ext cx="11865396" cy="1600200"/>
+          </a:xfrm>
+        </p:spPr>
+        <p:txBody>
+          <a:bodyPr anchor="ctr">
+            <a:normAutofit/>
+          </a:bodyPr>
+          <a:lstStyle/>
+          <a:p>
+            <a:r>
+              <a:rPr lang="en-US" sz="2800" b="1" dirty="0">
+                <a:latin typeface="Arial" panose="020B0604020202020204" pitchFamily="34" charset="0"/>
+                <a:cs typeface="Arial" panose="020B0604020202020204" pitchFamily="34" charset="0"/>
+              </a:rPr>
+              <a:t>Average Ride Length per Day</a:t>
+            </a:r>
+          </a:p>
+        </p:txBody>
+      </p:sp>
+      <p:pic>
+        <p:nvPicPr>
+          <p:cNvPr id="14" name="Picture Placeholder 13">
+            <a:extLst>
+              <a:ext uri="{FF2B5EF4-FFF2-40B4-BE49-F238E27FC236}">
+                <a16:creationId xmlns:a16="http://schemas.microsoft.com/office/drawing/2014/main" id="{0C4C5B21-0490-20CE-2CCE-FF7A1F9D29E8}"/>
+              </a:ext>
+            </a:extLst>
+          </p:cNvPr>
+          <p:cNvPicPr>
+            <a:picLocks noGrp="1" noChangeAspect="1"/>
+          </p:cNvPicPr>
+          <p:nvPr>
+            <p:ph type="pic" idx="1"/>
+          </p:nvPr>
+        </p:nvPicPr>
+        <p:blipFill>
+          <a:blip r:embed="rId2">
+            <a:extLst>
+              <a:ext uri="{28A0092B-C50C-407E-A947-70E740481C1C}">
+                <a14:useLocalDpi xmlns:a14="http://schemas.microsoft.com/office/drawing/2010/main" val="0"/>
+              </a:ext>
+            </a:extLst>
+          </a:blip>
+          <a:srcRect l="391" r="391"/>
+          <a:stretch/>
+        </p:blipFill>
+        <p:spPr>
+          <a:xfrm>
+            <a:off x="4619625" y="1984375"/>
+            <a:ext cx="7572375" cy="4873625"/>
+          </a:xfrm>
+        </p:spPr>
+      </p:pic>
+      <p:sp>
+        <p:nvSpPr>
+          <p:cNvPr id="12" name="Text Placeholder 11">
+            <a:extLst>
+              <a:ext uri="{FF2B5EF4-FFF2-40B4-BE49-F238E27FC236}">
+                <a16:creationId xmlns:a16="http://schemas.microsoft.com/office/drawing/2014/main" id="{621DE730-63B2-6EFC-2774-5CE40DC9E293}"/>
+              </a:ext>
+            </a:extLst>
+          </p:cNvPr>
+          <p:cNvSpPr>
+            <a:spLocks noGrp="1"/>
+          </p:cNvSpPr>
+          <p:nvPr>
+            <p:ph type="body" sz="half" idx="2"/>
+          </p:nvPr>
+        </p:nvSpPr>
+        <p:spPr>
+          <a:xfrm>
+            <a:off x="326604" y="2515393"/>
+            <a:ext cx="3932237" cy="3811588"/>
+          </a:xfrm>
+        </p:spPr>
+        <p:txBody>
+          <a:bodyPr/>
+          <a:lstStyle/>
+          <a:p>
+            <a:pPr marL="342900" indent="-342900">
+              <a:buAutoNum type="arabicPeriod"/>
+            </a:pPr>
+            <a:r>
+              <a:rPr lang="en-US" dirty="0"/>
+              <a:t>Casual riders ride roughly twice as long compared to membership holders, with longer ride lengths on weekends.</a:t>
+            </a:r>
+          </a:p>
+          <a:p>
+            <a:pPr marL="342900" indent="-342900">
+              <a:buAutoNum type="arabicPeriod"/>
+            </a:pPr>
+            <a:endParaRPr lang="en-US" dirty="0"/>
+          </a:p>
+          <a:p>
+            <a:pPr marL="342900" indent="-342900">
+              <a:buAutoNum type="arabicPeriod"/>
+            </a:pPr>
+            <a:r>
+              <a:rPr lang="en-US" dirty="0"/>
+              <a:t>Again, membership ride length averages are more consistent throughout the week.</a:t>
+            </a:r>
+          </a:p>
+        </p:txBody>
+      </p:sp>
+    </p:spTree>
+    <p:extLst>
+      <p:ext uri="{BB962C8B-B14F-4D97-AF65-F5344CB8AC3E}">
+        <p14:creationId xmlns:p14="http://schemas.microsoft.com/office/powerpoint/2010/main" val="1426004564"/>
+      </p:ext>
+    </p:extLst>
+  </p:cSld>
+  <p:clrMapOvr>
+    <a:masterClrMapping/>
+  </p:clrMapOvr>
+</p:sld>
+</file>
+
+<file path=ppt/slides/slide13.xml><?xml version="1.0" encoding="utf-8"?>
+<p:sld xmlns:a="http://schemas.openxmlformats.org/drawingml/2006/main" xmlns:r="http://schemas.openxmlformats.org/officeDocument/2006/relationships" xmlns:p="http://schemas.openxmlformats.org/presentationml/2006/main">
+  <p:cSld>
+    <p:spTree>
+      <p:nvGrpSpPr>
+        <p:cNvPr id="1" name=""/>
+        <p:cNvGrpSpPr/>
+        <p:nvPr/>
+      </p:nvGrpSpPr>
+      <p:grpSpPr>
+        <a:xfrm>
+          <a:off x="0" y="0"/>
+          <a:ext cx="0" cy="0"/>
+          <a:chOff x="0" y="0"/>
+          <a:chExt cx="0" cy="0"/>
+        </a:xfrm>
+      </p:grpSpPr>
+      <p:sp>
+        <p:nvSpPr>
+          <p:cNvPr id="10" name="Title 9">
+            <a:extLst>
+              <a:ext uri="{FF2B5EF4-FFF2-40B4-BE49-F238E27FC236}">
+                <a16:creationId xmlns:a16="http://schemas.microsoft.com/office/drawing/2014/main" id="{34D47A13-603A-B8C0-25CE-1B585877CA55}"/>
+              </a:ext>
+            </a:extLst>
+          </p:cNvPr>
+          <p:cNvSpPr>
+            <a:spLocks noGrp="1"/>
+          </p:cNvSpPr>
+          <p:nvPr>
+            <p:ph type="title"/>
+          </p:nvPr>
+        </p:nvSpPr>
+        <p:spPr>
+          <a:xfrm>
+            <a:off x="326604" y="384175"/>
+            <a:ext cx="11865396" cy="1600200"/>
+          </a:xfrm>
+        </p:spPr>
+        <p:txBody>
+          <a:bodyPr anchor="ctr">
+            <a:normAutofit/>
+          </a:bodyPr>
+          <a:lstStyle/>
+          <a:p>
+            <a:r>
+              <a:rPr lang="en-US" sz="2800" b="1" dirty="0">
+                <a:latin typeface="Arial" panose="020B0604020202020204" pitchFamily="34" charset="0"/>
+                <a:cs typeface="Arial" panose="020B0604020202020204" pitchFamily="34" charset="0"/>
+              </a:rPr>
+              <a:t>Zooming in to Ride Length on an Hourly Basis</a:t>
+            </a:r>
+          </a:p>
+        </p:txBody>
+      </p:sp>
+      <p:pic>
+        <p:nvPicPr>
+          <p:cNvPr id="14" name="Picture Placeholder 13">
+            <a:extLst>
+              <a:ext uri="{FF2B5EF4-FFF2-40B4-BE49-F238E27FC236}">
+                <a16:creationId xmlns:a16="http://schemas.microsoft.com/office/drawing/2014/main" id="{0C4C5B21-0490-20CE-2CCE-FF7A1F9D29E8}"/>
+              </a:ext>
+            </a:extLst>
+          </p:cNvPr>
+          <p:cNvPicPr>
+            <a:picLocks noGrp="1" noChangeAspect="1"/>
+          </p:cNvPicPr>
+          <p:nvPr>
+            <p:ph type="pic" idx="1"/>
+          </p:nvPr>
+        </p:nvPicPr>
+        <p:blipFill>
+          <a:blip r:embed="rId2">
+            <a:extLst>
+              <a:ext uri="{28A0092B-C50C-407E-A947-70E740481C1C}">
+                <a14:useLocalDpi xmlns:a14="http://schemas.microsoft.com/office/drawing/2010/main" val="0"/>
+              </a:ext>
+            </a:extLst>
+          </a:blip>
+          <a:srcRect l="391" r="391"/>
+          <a:stretch/>
+        </p:blipFill>
+        <p:spPr>
+          <a:xfrm>
+            <a:off x="4619625" y="1984375"/>
+            <a:ext cx="7572375" cy="4873625"/>
+          </a:xfrm>
+        </p:spPr>
+      </p:pic>
+      <p:sp>
+        <p:nvSpPr>
+          <p:cNvPr id="12" name="Text Placeholder 11">
+            <a:extLst>
+              <a:ext uri="{FF2B5EF4-FFF2-40B4-BE49-F238E27FC236}">
+                <a16:creationId xmlns:a16="http://schemas.microsoft.com/office/drawing/2014/main" id="{621DE730-63B2-6EFC-2774-5CE40DC9E293}"/>
+              </a:ext>
+            </a:extLst>
+          </p:cNvPr>
+          <p:cNvSpPr>
+            <a:spLocks noGrp="1"/>
+          </p:cNvSpPr>
+          <p:nvPr>
+            <p:ph type="body" sz="half" idx="2"/>
+          </p:nvPr>
+        </p:nvSpPr>
+        <p:spPr>
+          <a:xfrm>
+            <a:off x="326604" y="2515393"/>
+            <a:ext cx="3932237" cy="3811588"/>
+          </a:xfrm>
+        </p:spPr>
+        <p:txBody>
+          <a:bodyPr/>
+          <a:lstStyle/>
+          <a:p>
+            <a:pPr marL="342900" indent="-342900">
+              <a:buAutoNum type="arabicPeriod"/>
+            </a:pPr>
+            <a:r>
+              <a:rPr lang="en-US" dirty="0"/>
+              <a:t>Casual ridership times dip in the morning hours and spike during the noon to evening hours.</a:t>
+            </a:r>
+          </a:p>
+          <a:p>
+            <a:pPr marL="342900" indent="-342900">
+              <a:buAutoNum type="arabicPeriod"/>
+            </a:pPr>
+            <a:endParaRPr lang="en-US" dirty="0"/>
+          </a:p>
+          <a:p>
+            <a:pPr marL="342900" indent="-342900">
+              <a:buAutoNum type="arabicPeriod"/>
+            </a:pPr>
+            <a:r>
+              <a:rPr lang="en-US" dirty="0"/>
+              <a:t>Riders with memberships follow more consistent riding patterns throughout the day.</a:t>
+            </a:r>
+          </a:p>
+        </p:txBody>
+      </p:sp>
+    </p:spTree>
+    <p:extLst>
+      <p:ext uri="{BB962C8B-B14F-4D97-AF65-F5344CB8AC3E}">
+        <p14:creationId xmlns:p14="http://schemas.microsoft.com/office/powerpoint/2010/main" val="139050844"/>
+      </p:ext>
+    </p:extLst>
+  </p:cSld>
+  <p:clrMapOvr>
+    <a:masterClrMapping/>
+  </p:clrMapOvr>
+</p:sld>
+</file>
+
+<file path=ppt/slides/slide14.xml><?xml version="1.0" encoding="utf-8"?>
+<p:sld xmlns:a="http://schemas.openxmlformats.org/drawingml/2006/main" xmlns:r="http://schemas.openxmlformats.org/officeDocument/2006/relationships" xmlns:p="http://schemas.openxmlformats.org/presentationml/2006/main">
+  <p:cSld>
+    <p:spTree>
+      <p:nvGrpSpPr>
+        <p:cNvPr id="1" name=""/>
+        <p:cNvGrpSpPr/>
+        <p:nvPr/>
+      </p:nvGrpSpPr>
+      <p:grpSpPr>
+        <a:xfrm>
+          <a:off x="0" y="0"/>
+          <a:ext cx="0" cy="0"/>
+          <a:chOff x="0" y="0"/>
+          <a:chExt cx="0" cy="0"/>
+        </a:xfrm>
+      </p:grpSpPr>
+      <p:sp>
+        <p:nvSpPr>
+          <p:cNvPr id="10" name="Title 9">
+            <a:extLst>
+              <a:ext uri="{FF2B5EF4-FFF2-40B4-BE49-F238E27FC236}">
+                <a16:creationId xmlns:a16="http://schemas.microsoft.com/office/drawing/2014/main" id="{34D47A13-603A-B8C0-25CE-1B585877CA55}"/>
+              </a:ext>
+            </a:extLst>
+          </p:cNvPr>
+          <p:cNvSpPr>
+            <a:spLocks noGrp="1"/>
+          </p:cNvSpPr>
+          <p:nvPr>
+            <p:ph type="title"/>
+          </p:nvPr>
+        </p:nvSpPr>
+        <p:spPr>
+          <a:xfrm>
+            <a:off x="326604" y="384175"/>
+            <a:ext cx="11865396" cy="1600200"/>
+          </a:xfrm>
+        </p:spPr>
+        <p:txBody>
+          <a:bodyPr anchor="ctr">
+            <a:normAutofit/>
+          </a:bodyPr>
+          <a:lstStyle/>
+          <a:p>
+            <a:r>
+              <a:rPr lang="en-US" sz="2800" b="1" dirty="0">
+                <a:latin typeface="Arial" panose="020B0604020202020204" pitchFamily="34" charset="0"/>
+                <a:cs typeface="Arial" panose="020B0604020202020204" pitchFamily="34" charset="0"/>
+              </a:rPr>
+              <a:t>Conclusions : Casuals</a:t>
+            </a:r>
+          </a:p>
+        </p:txBody>
+      </p:sp>
+      <p:sp>
+        <p:nvSpPr>
+          <p:cNvPr id="12" name="Text Placeholder 11">
+            <a:extLst>
+              <a:ext uri="{FF2B5EF4-FFF2-40B4-BE49-F238E27FC236}">
+                <a16:creationId xmlns:a16="http://schemas.microsoft.com/office/drawing/2014/main" id="{621DE730-63B2-6EFC-2774-5CE40DC9E293}"/>
+              </a:ext>
+            </a:extLst>
+          </p:cNvPr>
+          <p:cNvSpPr>
+            <a:spLocks noGrp="1"/>
+          </p:cNvSpPr>
+          <p:nvPr>
+            <p:ph type="body" sz="half" idx="2"/>
+          </p:nvPr>
+        </p:nvSpPr>
+        <p:spPr>
+          <a:xfrm>
+            <a:off x="326604" y="2515393"/>
+            <a:ext cx="3932237" cy="3811588"/>
+          </a:xfrm>
+        </p:spPr>
+        <p:txBody>
+          <a:bodyPr>
+            <a:normAutofit/>
+          </a:bodyPr>
+          <a:lstStyle/>
+          <a:p>
+            <a:pPr marL="285750" indent="-285750">
+              <a:buFont typeface="Arial" panose="020B0604020202020204" pitchFamily="34" charset="0"/>
+              <a:buChar char="•"/>
+            </a:pPr>
+            <a:r>
+              <a:rPr lang="en-US" dirty="0"/>
+              <a:t>There are more casual riders in the summer</a:t>
+            </a:r>
+          </a:p>
+          <a:p>
+            <a:pPr marL="285750" indent="-285750">
+              <a:buFont typeface="Arial" panose="020B0604020202020204" pitchFamily="34" charset="0"/>
+              <a:buChar char="•"/>
+            </a:pPr>
+            <a:r>
+              <a:rPr lang="en-US" dirty="0"/>
+              <a:t>Casual ridership is very low in the winter months</a:t>
+            </a:r>
+          </a:p>
+          <a:p>
+            <a:pPr marL="285750" indent="-285750">
+              <a:buFont typeface="Arial" panose="020B0604020202020204" pitchFamily="34" charset="0"/>
+              <a:buChar char="•"/>
+            </a:pPr>
+            <a:r>
+              <a:rPr lang="en-US" dirty="0"/>
+              <a:t>Casual riders ride more often on weekends</a:t>
+            </a:r>
+          </a:p>
+          <a:p>
+            <a:pPr marL="285750" indent="-285750">
+              <a:buFont typeface="Arial" panose="020B0604020202020204" pitchFamily="34" charset="0"/>
+              <a:buChar char="•"/>
+            </a:pPr>
+            <a:r>
+              <a:rPr lang="en-US" dirty="0"/>
+              <a:t>Ride more in the afternoon/evening and less during the early morning</a:t>
+            </a:r>
+          </a:p>
+          <a:p>
+            <a:pPr marL="285750" indent="-285750">
+              <a:buFont typeface="Arial" panose="020B0604020202020204" pitchFamily="34" charset="0"/>
+              <a:buChar char="•"/>
+            </a:pPr>
+            <a:r>
+              <a:rPr lang="en-US" dirty="0"/>
+              <a:t>Casual riders ride a significantly longer time when compared to members</a:t>
+            </a:r>
+          </a:p>
+        </p:txBody>
+      </p:sp>
+      <p:sp>
+        <p:nvSpPr>
+          <p:cNvPr id="3" name="Picture Placeholder 2">
+            <a:extLst>
+              <a:ext uri="{FF2B5EF4-FFF2-40B4-BE49-F238E27FC236}">
+                <a16:creationId xmlns:a16="http://schemas.microsoft.com/office/drawing/2014/main" id="{F36A47F4-DFCB-2FA0-B739-272BAE0DD3C6}"/>
+              </a:ext>
+            </a:extLst>
+          </p:cNvPr>
+          <p:cNvSpPr>
+            <a:spLocks noGrp="1"/>
+          </p:cNvSpPr>
+          <p:nvPr>
+            <p:ph type="pic" idx="1"/>
+          </p:nvPr>
+        </p:nvSpPr>
+        <p:spPr/>
+      </p:sp>
+    </p:spTree>
+    <p:extLst>
+      <p:ext uri="{BB962C8B-B14F-4D97-AF65-F5344CB8AC3E}">
+        <p14:creationId xmlns:p14="http://schemas.microsoft.com/office/powerpoint/2010/main" val="122054808"/>
+      </p:ext>
+    </p:extLst>
+  </p:cSld>
+  <p:clrMapOvr>
+    <a:masterClrMapping/>
+  </p:clrMapOvr>
+</p:sld>
+</file>
+
+<file path=ppt/slides/slide15.xml><?xml version="1.0" encoding="utf-8"?>
+<p:sld xmlns:a="http://schemas.openxmlformats.org/drawingml/2006/main" xmlns:r="http://schemas.openxmlformats.org/officeDocument/2006/relationships" xmlns:p="http://schemas.openxmlformats.org/presentationml/2006/main">
+  <p:cSld>
+    <p:spTree>
+      <p:nvGrpSpPr>
+        <p:cNvPr id="1" name=""/>
+        <p:cNvGrpSpPr/>
+        <p:nvPr/>
+      </p:nvGrpSpPr>
+      <p:grpSpPr>
+        <a:xfrm>
+          <a:off x="0" y="0"/>
+          <a:ext cx="0" cy="0"/>
+          <a:chOff x="0" y="0"/>
+          <a:chExt cx="0" cy="0"/>
+        </a:xfrm>
+      </p:grpSpPr>
+      <p:sp>
+        <p:nvSpPr>
+          <p:cNvPr id="10" name="Title 9">
+            <a:extLst>
+              <a:ext uri="{FF2B5EF4-FFF2-40B4-BE49-F238E27FC236}">
+                <a16:creationId xmlns:a16="http://schemas.microsoft.com/office/drawing/2014/main" id="{34D47A13-603A-B8C0-25CE-1B585877CA55}"/>
+              </a:ext>
+            </a:extLst>
+          </p:cNvPr>
+          <p:cNvSpPr>
+            <a:spLocks noGrp="1"/>
+          </p:cNvSpPr>
+          <p:nvPr>
+            <p:ph type="title"/>
+          </p:nvPr>
+        </p:nvSpPr>
+        <p:spPr>
+          <a:xfrm>
+            <a:off x="326604" y="384175"/>
+            <a:ext cx="11865396" cy="1600200"/>
+          </a:xfrm>
+        </p:spPr>
+        <p:txBody>
+          <a:bodyPr anchor="ctr">
+            <a:normAutofit/>
+          </a:bodyPr>
+          <a:lstStyle/>
+          <a:p>
+            <a:r>
+              <a:rPr lang="en-US" sz="2800" b="1" dirty="0">
+                <a:latin typeface="Arial" panose="020B0604020202020204" pitchFamily="34" charset="0"/>
+                <a:cs typeface="Arial" panose="020B0604020202020204" pitchFamily="34" charset="0"/>
+              </a:rPr>
+              <a:t>Conclusions : Members</a:t>
+            </a:r>
+          </a:p>
+        </p:txBody>
+      </p:sp>
+      <p:sp>
+        <p:nvSpPr>
+          <p:cNvPr id="12" name="Text Placeholder 11">
+            <a:extLst>
+              <a:ext uri="{FF2B5EF4-FFF2-40B4-BE49-F238E27FC236}">
+                <a16:creationId xmlns:a16="http://schemas.microsoft.com/office/drawing/2014/main" id="{621DE730-63B2-6EFC-2774-5CE40DC9E293}"/>
+              </a:ext>
+            </a:extLst>
+          </p:cNvPr>
+          <p:cNvSpPr>
+            <a:spLocks noGrp="1"/>
+          </p:cNvSpPr>
+          <p:nvPr>
+            <p:ph type="body" sz="half" idx="2"/>
+          </p:nvPr>
+        </p:nvSpPr>
+        <p:spPr>
+          <a:xfrm>
+            <a:off x="326604" y="2515393"/>
+            <a:ext cx="3932237" cy="3811588"/>
+          </a:xfrm>
+        </p:spPr>
+        <p:txBody>
+          <a:bodyPr>
+            <a:normAutofit/>
+          </a:bodyPr>
+          <a:lstStyle/>
+          <a:p>
+            <a:pPr marL="285750" indent="-285750">
+              <a:buFont typeface="Arial" panose="020B0604020202020204" pitchFamily="34" charset="0"/>
+              <a:buChar char="•"/>
+            </a:pPr>
+            <a:r>
+              <a:rPr lang="en-US" dirty="0"/>
+              <a:t>Ride consistently throughout the year</a:t>
+            </a:r>
+          </a:p>
+          <a:p>
+            <a:pPr marL="285750" indent="-285750">
+              <a:buFont typeface="Arial" panose="020B0604020202020204" pitchFamily="34" charset="0"/>
+              <a:buChar char="•"/>
+            </a:pPr>
+            <a:r>
+              <a:rPr lang="en-US" dirty="0"/>
+              <a:t>Ride shorter but more consistent times when compared to casuals</a:t>
+            </a:r>
+          </a:p>
+          <a:p>
+            <a:pPr marL="285750" indent="-285750">
+              <a:buFont typeface="Arial" panose="020B0604020202020204" pitchFamily="34" charset="0"/>
+              <a:buChar char="•"/>
+            </a:pPr>
+            <a:r>
+              <a:rPr lang="en-US" dirty="0"/>
+              <a:t>Mostly ride in the middle of the week</a:t>
+            </a:r>
+          </a:p>
+        </p:txBody>
+      </p:sp>
+      <p:sp>
+        <p:nvSpPr>
+          <p:cNvPr id="3" name="Picture Placeholder 2">
+            <a:extLst>
+              <a:ext uri="{FF2B5EF4-FFF2-40B4-BE49-F238E27FC236}">
+                <a16:creationId xmlns:a16="http://schemas.microsoft.com/office/drawing/2014/main" id="{F36A47F4-DFCB-2FA0-B739-272BAE0DD3C6}"/>
+              </a:ext>
+            </a:extLst>
+          </p:cNvPr>
+          <p:cNvSpPr>
+            <a:spLocks noGrp="1"/>
+          </p:cNvSpPr>
+          <p:nvPr>
+            <p:ph type="pic" idx="1"/>
+          </p:nvPr>
+        </p:nvSpPr>
+        <p:spPr/>
+      </p:sp>
+    </p:spTree>
+    <p:extLst>
+      <p:ext uri="{BB962C8B-B14F-4D97-AF65-F5344CB8AC3E}">
+        <p14:creationId xmlns:p14="http://schemas.microsoft.com/office/powerpoint/2010/main" val="1859785179"/>
+      </p:ext>
+    </p:extLst>
+  </p:cSld>
+  <p:clrMapOvr>
+    <a:masterClrMapping/>
+  </p:clrMapOvr>
+</p:sld>
+</file>
+
 <file path=ppt/slides/slide2.xml><?xml version="1.0" encoding="utf-8"?>
 <p:sld xmlns:a="http://schemas.openxmlformats.org/drawingml/2006/main" xmlns:r="http://schemas.openxmlformats.org/officeDocument/2006/relationships" xmlns:p="http://schemas.openxmlformats.org/presentationml/2006/main">
   <p:cSld>
@@ -3780,17 +4623,6 @@
 <file path=ppt/slides/slide4.xml><?xml version="1.0" encoding="utf-8"?>
 <p:sld xmlns:a="http://schemas.openxmlformats.org/drawingml/2006/main" xmlns:r="http://schemas.openxmlformats.org/officeDocument/2006/relationships" xmlns:p="http://schemas.openxmlformats.org/presentationml/2006/main">
   <p:cSld>
-    <p:bg>
-      <p:bgPr>
-        <a:solidFill>
-          <a:schemeClr val="accent6">
-            <a:lumMod val="40000"/>
-            <a:lumOff val="60000"/>
-          </a:schemeClr>
-        </a:solidFill>
-        <a:effectLst/>
-      </p:bgPr>
-    </p:bg>
     <p:spTree>
       <p:nvGrpSpPr>
         <p:cNvPr id="1" name=""/>
@@ -3807,10 +4639,10 @@
       </p:grpSpPr>
       <p:sp>
         <p:nvSpPr>
-          <p:cNvPr id="2" name="Title 1">
-            <a:extLst>
-              <a:ext uri="{FF2B5EF4-FFF2-40B4-BE49-F238E27FC236}">
-                <a16:creationId xmlns:a16="http://schemas.microsoft.com/office/drawing/2014/main" id="{2E1BFBAA-1CAD-4491-9160-A65F4CA3B7C2}"/>
+          <p:cNvPr id="10" name="Title 9">
+            <a:extLst>
+              <a:ext uri="{FF2B5EF4-FFF2-40B4-BE49-F238E27FC236}">
+                <a16:creationId xmlns:a16="http://schemas.microsoft.com/office/drawing/2014/main" id="{34D47A13-603A-B8C0-25CE-1B585877CA55}"/>
               </a:ext>
             </a:extLst>
           </p:cNvPr>
@@ -3821,27 +4653,86 @@
             <p:ph type="title"/>
           </p:nvPr>
         </p:nvSpPr>
-        <p:spPr/>
+        <p:spPr>
+          <a:xfrm>
+            <a:off x="326604" y="384175"/>
+            <a:ext cx="11865396" cy="1600200"/>
+          </a:xfrm>
+        </p:spPr>
+        <p:txBody>
+          <a:bodyPr anchor="ctr">
+            <a:normAutofit/>
+          </a:bodyPr>
+          <a:lstStyle/>
+          <a:p>
+            <a:r>
+              <a:rPr lang="en-US" sz="2800" b="1" dirty="0">
+                <a:latin typeface="Arial" panose="020B0604020202020204" pitchFamily="34" charset="0"/>
+                <a:cs typeface="Arial" panose="020B0604020202020204" pitchFamily="34" charset="0"/>
+              </a:rPr>
+              <a:t>Cleaning the Data</a:t>
+            </a:r>
+          </a:p>
+        </p:txBody>
+      </p:sp>
+      <p:sp>
+        <p:nvSpPr>
+          <p:cNvPr id="12" name="Text Placeholder 11">
+            <a:extLst>
+              <a:ext uri="{FF2B5EF4-FFF2-40B4-BE49-F238E27FC236}">
+                <a16:creationId xmlns:a16="http://schemas.microsoft.com/office/drawing/2014/main" id="{621DE730-63B2-6EFC-2774-5CE40DC9E293}"/>
+              </a:ext>
+            </a:extLst>
+          </p:cNvPr>
+          <p:cNvSpPr>
+            <a:spLocks noGrp="1"/>
+          </p:cNvSpPr>
+          <p:nvPr>
+            <p:ph type="body" sz="half" idx="2"/>
+          </p:nvPr>
+        </p:nvSpPr>
+        <p:spPr>
+          <a:xfrm>
+            <a:off x="326604" y="2515393"/>
+            <a:ext cx="3932237" cy="3811588"/>
+          </a:xfrm>
+        </p:spPr>
         <p:txBody>
           <a:bodyPr>
             <a:normAutofit/>
           </a:bodyPr>
           <a:lstStyle/>
           <a:p>
-            <a:r>
-              <a:rPr lang="en-US" sz="4000" b="1" dirty="0">
-                <a:latin typeface="Arial" panose="020B0604020202020204" pitchFamily="34" charset="0"/>
-                <a:cs typeface="Arial" panose="020B0604020202020204" pitchFamily="34" charset="0"/>
-              </a:rPr>
-              <a:t>Differences in Rider Volume</a:t>
-            </a:r>
-          </a:p>
-        </p:txBody>
+            <a:pPr marL="285750" indent="-285750">
+              <a:buFont typeface="Arial" panose="020B0604020202020204" pitchFamily="34" charset="0"/>
+              <a:buChar char="•"/>
+            </a:pPr>
+            <a:endParaRPr lang="en-US" dirty="0"/>
+          </a:p>
+        </p:txBody>
+      </p:sp>
+      <p:sp>
+        <p:nvSpPr>
+          <p:cNvPr id="3" name="Picture Placeholder 2">
+            <a:extLst>
+              <a:ext uri="{FF2B5EF4-FFF2-40B4-BE49-F238E27FC236}">
+                <a16:creationId xmlns:a16="http://schemas.microsoft.com/office/drawing/2014/main" id="{F36A47F4-DFCB-2FA0-B739-272BAE0DD3C6}"/>
+              </a:ext>
+            </a:extLst>
+          </p:cNvPr>
+          <p:cNvSpPr>
+            <a:spLocks noGrp="1"/>
+          </p:cNvSpPr>
+          <p:nvPr>
+            <p:ph type="pic" idx="1"/>
+          </p:nvPr>
+        </p:nvSpPr>
+        <p:spPr/>
       </p:sp>
     </p:spTree>
     <p:extLst>
       <p:ext uri="{BB962C8B-B14F-4D97-AF65-F5344CB8AC3E}">
-        <p14:creationId xmlns:p14="http://schemas.microsoft.com/office/powerpoint/2010/main" val="3273453703"/>
+        <p14:creationId xmlns:p14="http://schemas.microsoft.com/office/powerpoint/2010/main" val="3774384973"/>
       </p:ext>
     </p:extLst>
   </p:cSld>
@@ -3901,45 +4792,11 @@
                 <a:latin typeface="Arial" panose="020B0604020202020204" pitchFamily="34" charset="0"/>
                 <a:cs typeface="Arial" panose="020B0604020202020204" pitchFamily="34" charset="0"/>
               </a:rPr>
-              <a:t>Total Riders Per Day for Each Rider Type</a:t>
-            </a:r>
-          </a:p>
-        </p:txBody>
-      </p:sp>
-      <p:pic>
-        <p:nvPicPr>
-          <p:cNvPr id="14" name="Picture Placeholder 13" descr="Chart, bar chart&#10;&#10;Description automatically generated">
-            <a:extLst>
-              <a:ext uri="{FF2B5EF4-FFF2-40B4-BE49-F238E27FC236}">
-                <a16:creationId xmlns:a16="http://schemas.microsoft.com/office/drawing/2014/main" id="{0C4C5B21-0490-20CE-2CCE-FF7A1F9D29E8}"/>
-              </a:ext>
-            </a:extLst>
-          </p:cNvPr>
-          <p:cNvPicPr>
-            <a:picLocks noGrp="1" noChangeAspect="1"/>
-          </p:cNvPicPr>
-          <p:nvPr>
-            <p:ph type="pic" idx="1"/>
-          </p:nvPr>
-        </p:nvPicPr>
-        <p:blipFill rotWithShape="1">
-          <a:blip r:embed="rId2">
-            <a:extLst>
-              <a:ext uri="{28A0092B-C50C-407E-A947-70E740481C1C}">
-                <a14:useLocalDpi xmlns:a14="http://schemas.microsoft.com/office/drawing/2010/main" val="0"/>
-              </a:ext>
-            </a:extLst>
-          </a:blip>
-          <a:srcRect l="308" r="474"/>
-          <a:stretch/>
-        </p:blipFill>
-        <p:spPr>
-          <a:xfrm>
-            <a:off x="4619625" y="1984375"/>
-            <a:ext cx="7572375" cy="4873625"/>
-          </a:xfrm>
-        </p:spPr>
-      </p:pic>
+              <a:t>Validating GPS Locations</a:t>
+            </a:r>
+          </a:p>
+        </p:txBody>
+      </p:sp>
       <p:sp>
         <p:nvSpPr>
           <p:cNvPr id="12" name="Text Placeholder 11">
@@ -3959,11 +4816,13 @@
         <p:spPr>
           <a:xfrm>
             <a:off x="326604" y="2515393"/>
-            <a:ext cx="3932237" cy="3811588"/>
-          </a:xfrm>
-        </p:spPr>
-        <p:txBody>
-          <a:bodyPr/>
+            <a:ext cx="3932237" cy="4090680"/>
+          </a:xfrm>
+        </p:spPr>
+        <p:txBody>
+          <a:bodyPr>
+            <a:normAutofit/>
+          </a:bodyPr>
           <a:lstStyle/>
           <a:p>
             <a:pPr marL="342900" indent="-342900">
@@ -3971,22 +4830,211 @@
             </a:pPr>
             <a:r>
               <a:rPr lang="en-US" dirty="0"/>
-              <a:t>Members ride the most in the middle of the week (Tuesday to Thursday) whereas casual riders use the service mostly on the weekend</a:t>
+              <a:t>Comparing GPS locations side-by side, we see there are a few GPS locations that fall outside the general area of Chicago, some are even located in Lake Michigan. However, the points generally match up to the Chicago area. </a:t>
             </a:r>
           </a:p>
           <a:p>
             <a:pPr marL="342900" indent="-342900">
+              <a:buFont typeface="Arial" panose="020B0604020202020204" pitchFamily="34" charset="0"/>
+              <a:buAutoNum type="arabicPeriod"/>
+            </a:pPr>
+            <a:r>
+              <a:rPr lang="en-US" dirty="0"/>
+              <a:t>We will keep the data as-is, since we are only looking at the bigger picture here.</a:t>
+            </a:r>
+          </a:p>
+          <a:p>
+            <a:pPr marL="342900" indent="-342900">
+              <a:buFont typeface="Arial" panose="020B0604020202020204" pitchFamily="34" charset="0"/>
+              <a:buAutoNum type="arabicPeriod"/>
+            </a:pPr>
+            <a:r>
+              <a:rPr lang="en-US" dirty="0"/>
+              <a:t>Due to the lack of data regarding the route of the rides, we will not draw conclusions between start/end locations and ride lengths.</a:t>
+            </a:r>
+          </a:p>
+          <a:p>
+            <a:pPr marL="342900" indent="-342900">
+              <a:buFont typeface="Arial" panose="020B0604020202020204" pitchFamily="34" charset="0"/>
               <a:buAutoNum type="arabicPeriod"/>
             </a:pPr>
             <a:endParaRPr lang="en-US" dirty="0"/>
           </a:p>
-          <a:p>
-            <a:pPr marL="342900" indent="-342900">
-              <a:buAutoNum type="arabicPeriod"/>
-            </a:pPr>
+        </p:txBody>
+      </p:sp>
+      <p:pic>
+        <p:nvPicPr>
+          <p:cNvPr id="6" name="Picture 5" descr="Chart&#10;&#10;Description automatically generated">
+            <a:extLst>
+              <a:ext uri="{FF2B5EF4-FFF2-40B4-BE49-F238E27FC236}">
+                <a16:creationId xmlns:a16="http://schemas.microsoft.com/office/drawing/2014/main" id="{661CFCB2-207C-DAFA-DF1A-768C863CF79F}"/>
+              </a:ext>
+            </a:extLst>
+          </p:cNvPr>
+          <p:cNvPicPr>
+            <a:picLocks noChangeAspect="1"/>
+          </p:cNvPicPr>
+          <p:nvPr/>
+        </p:nvPicPr>
+        <p:blipFill>
+          <a:blip r:embed="rId2">
+            <a:extLst>
+              <a:ext uri="{28A0092B-C50C-407E-A947-70E740481C1C}">
+                <a14:useLocalDpi xmlns:a14="http://schemas.microsoft.com/office/drawing/2010/main" val="0"/>
+              </a:ext>
+            </a:extLst>
+          </a:blip>
+          <a:stretch>
+            <a:fillRect/>
+          </a:stretch>
+        </p:blipFill>
+        <p:spPr>
+          <a:xfrm>
+            <a:off x="4767627" y="2515393"/>
+            <a:ext cx="3450913" cy="3951045"/>
+          </a:xfrm>
+          <a:prstGeom prst="rect">
+            <a:avLst/>
+          </a:prstGeom>
+        </p:spPr>
+      </p:pic>
+      <p:pic>
+        <p:nvPicPr>
+          <p:cNvPr id="8" name="Picture 7" descr="Chart&#10;&#10;Description automatically generated">
+            <a:extLst>
+              <a:ext uri="{FF2B5EF4-FFF2-40B4-BE49-F238E27FC236}">
+                <a16:creationId xmlns:a16="http://schemas.microsoft.com/office/drawing/2014/main" id="{E4CBE44F-1936-C93A-5566-45BD9FF5AF82}"/>
+              </a:ext>
+            </a:extLst>
+          </p:cNvPr>
+          <p:cNvPicPr>
+            <a:picLocks noChangeAspect="1"/>
+          </p:cNvPicPr>
+          <p:nvPr/>
+        </p:nvPicPr>
+        <p:blipFill>
+          <a:blip r:embed="rId3">
+            <a:extLst>
+              <a:ext uri="{28A0092B-C50C-407E-A947-70E740481C1C}">
+                <a14:useLocalDpi xmlns:a14="http://schemas.microsoft.com/office/drawing/2010/main" val="0"/>
+              </a:ext>
+            </a:extLst>
+          </a:blip>
+          <a:stretch>
+            <a:fillRect/>
+          </a:stretch>
+        </p:blipFill>
+        <p:spPr>
+          <a:xfrm>
+            <a:off x="8218540" y="2522780"/>
+            <a:ext cx="3450913" cy="3951045"/>
+          </a:xfrm>
+          <a:prstGeom prst="rect">
+            <a:avLst/>
+          </a:prstGeom>
+        </p:spPr>
+      </p:pic>
+      <p:sp>
+        <p:nvSpPr>
+          <p:cNvPr id="9" name="TextBox 8">
+            <a:extLst>
+              <a:ext uri="{FF2B5EF4-FFF2-40B4-BE49-F238E27FC236}">
+                <a16:creationId xmlns:a16="http://schemas.microsoft.com/office/drawing/2014/main" id="{BD4F1BF0-2F95-D3F9-1831-7BDB0C1A6D23}"/>
+              </a:ext>
+            </a:extLst>
+          </p:cNvPr>
+          <p:cNvSpPr txBox="1"/>
+          <p:nvPr/>
+        </p:nvSpPr>
+        <p:spPr>
+          <a:xfrm>
+            <a:off x="8523340" y="2207615"/>
+            <a:ext cx="3450913" cy="307777"/>
+          </a:xfrm>
+          <a:prstGeom prst="rect">
+            <a:avLst/>
+          </a:prstGeom>
+          <a:noFill/>
+        </p:spPr>
+        <p:txBody>
+          <a:bodyPr wrap="square" rtlCol="0">
+            <a:spAutoFit/>
+          </a:bodyPr>
+          <a:lstStyle/>
+          <a:p>
+            <a:r>
+              <a:rPr lang="en-US" sz="1400" dirty="0"/>
+              <a:t>Membership Riders</a:t>
+            </a:r>
+          </a:p>
+        </p:txBody>
+      </p:sp>
+      <p:sp>
+        <p:nvSpPr>
+          <p:cNvPr id="13" name="TextBox 12">
+            <a:extLst>
+              <a:ext uri="{FF2B5EF4-FFF2-40B4-BE49-F238E27FC236}">
+                <a16:creationId xmlns:a16="http://schemas.microsoft.com/office/drawing/2014/main" id="{B5FF657C-FFFC-AAB5-044E-1794F579BF32}"/>
+              </a:ext>
+            </a:extLst>
+          </p:cNvPr>
+          <p:cNvSpPr txBox="1"/>
+          <p:nvPr/>
+        </p:nvSpPr>
+        <p:spPr>
+          <a:xfrm>
+            <a:off x="5072427" y="2207616"/>
+            <a:ext cx="3450913" cy="307777"/>
+          </a:xfrm>
+          <a:prstGeom prst="rect">
+            <a:avLst/>
+          </a:prstGeom>
+          <a:noFill/>
+        </p:spPr>
+        <p:txBody>
+          <a:bodyPr wrap="square" rtlCol="0">
+            <a:spAutoFit/>
+          </a:bodyPr>
+          <a:lstStyle/>
+          <a:p>
+            <a:r>
+              <a:rPr lang="en-US" sz="1400" dirty="0"/>
+              <a:t>Casual Riders</a:t>
+            </a:r>
+          </a:p>
+        </p:txBody>
+      </p:sp>
+      <p:sp>
+        <p:nvSpPr>
+          <p:cNvPr id="16" name="TextBox 15">
+            <a:extLst>
+              <a:ext uri="{FF2B5EF4-FFF2-40B4-BE49-F238E27FC236}">
+                <a16:creationId xmlns:a16="http://schemas.microsoft.com/office/drawing/2014/main" id="{8BF394CC-AB82-5908-1B79-4FAE2F02194F}"/>
+              </a:ext>
+            </a:extLst>
+          </p:cNvPr>
+          <p:cNvSpPr txBox="1"/>
+          <p:nvPr/>
+        </p:nvSpPr>
+        <p:spPr>
+          <a:xfrm>
+            <a:off x="5072427" y="1799709"/>
+            <a:ext cx="4911329" cy="369332"/>
+          </a:xfrm>
+          <a:prstGeom prst="rect">
+            <a:avLst/>
+          </a:prstGeom>
+          <a:noFill/>
+        </p:spPr>
+        <p:txBody>
+          <a:bodyPr wrap="square" rtlCol="0">
+            <a:spAutoFit/>
+          </a:bodyPr>
+          <a:lstStyle/>
+          <a:p>
             <a:r>
               <a:rPr lang="en-US" dirty="0"/>
-              <a:t>Casual ridership surpasses member ridership on weekends</a:t>
+              <a:t>Starting/Ending GPS Locations Between..</a:t>
             </a:r>
           </a:p>
         </p:txBody>
@@ -3994,7 +5042,7 @@
     </p:spTree>
     <p:extLst>
       <p:ext uri="{BB962C8B-B14F-4D97-AF65-F5344CB8AC3E}">
-        <p14:creationId xmlns:p14="http://schemas.microsoft.com/office/powerpoint/2010/main" val="3355053490"/>
+        <p14:creationId xmlns:p14="http://schemas.microsoft.com/office/powerpoint/2010/main" val="3837253455"/>
       </p:ext>
     </p:extLst>
   </p:cSld>
@@ -4054,7 +5102,7 @@
                 <a:latin typeface="Arial" panose="020B0604020202020204" pitchFamily="34" charset="0"/>
                 <a:cs typeface="Arial" panose="020B0604020202020204" pitchFamily="34" charset="0"/>
               </a:rPr>
-              <a:t>Looking at Demand on a Monthly Basis</a:t>
+              <a:t>Comparing GPS Locations Between Ridership Types</a:t>
             </a:r>
           </a:p>
         </p:txBody>
@@ -4124,22 +5172,16 @@
             </a:pPr>
             <a:r>
               <a:rPr lang="en-US" dirty="0"/>
-              <a:t>Overall, the service sees the most traffic in the summer (May to September) and declines in the colder months</a:t>
+              <a:t>Overlaying GPS locational data between casual and membership riders reveals little difference between the two datasets</a:t>
             </a:r>
           </a:p>
           <a:p>
             <a:pPr marL="342900" indent="-342900">
               <a:buAutoNum type="arabicPeriod"/>
             </a:pPr>
-            <a:endParaRPr lang="en-US" dirty="0"/>
-          </a:p>
-          <a:p>
-            <a:pPr marL="342900" indent="-342900">
-              <a:buAutoNum type="arabicPeriod"/>
-            </a:pPr>
             <a:r>
               <a:rPr lang="en-US" dirty="0"/>
-              <a:t>In the summer, member and casual ridership is similar, however members will ride more often in the winter compared to casual riders.</a:t>
+              <a:t>It appears most arrivals/destinations are most dense closer to the more urban parts of Chicago, close to the Michigan river.</a:t>
             </a:r>
           </a:p>
         </p:txBody>
@@ -4147,7 +5189,7 @@
     </p:spTree>
     <p:extLst>
       <p:ext uri="{BB962C8B-B14F-4D97-AF65-F5344CB8AC3E}">
-        <p14:creationId xmlns:p14="http://schemas.microsoft.com/office/powerpoint/2010/main" val="1352223280"/>
+        <p14:creationId xmlns:p14="http://schemas.microsoft.com/office/powerpoint/2010/main" val="3126700415"/>
       </p:ext>
     </p:extLst>
   </p:cSld>
@@ -4213,7 +5255,7 @@
                 <a:latin typeface="Arial" panose="020B0604020202020204" pitchFamily="34" charset="0"/>
                 <a:cs typeface="Arial" panose="020B0604020202020204" pitchFamily="34" charset="0"/>
               </a:rPr>
-              <a:t>Differences in Ride Duration</a:t>
+              <a:t>Differences in Rider Volume</a:t>
             </a:r>
           </a:p>
         </p:txBody>
@@ -4221,7 +5263,7 @@
     </p:spTree>
     <p:extLst>
       <p:ext uri="{BB962C8B-B14F-4D97-AF65-F5344CB8AC3E}">
-        <p14:creationId xmlns:p14="http://schemas.microsoft.com/office/powerpoint/2010/main" val="2536138742"/>
+        <p14:creationId xmlns:p14="http://schemas.microsoft.com/office/powerpoint/2010/main" val="3273453703"/>
       </p:ext>
     </p:extLst>
   </p:cSld>
@@ -4281,7 +5323,7 @@
                 <a:latin typeface="Arial" panose="020B0604020202020204" pitchFamily="34" charset="0"/>
                 <a:cs typeface="Arial" panose="020B0604020202020204" pitchFamily="34" charset="0"/>
               </a:rPr>
-              <a:t>Average Ride Length per Day</a:t>
+              <a:t>Looking at Demand on a Monthly Basis</a:t>
             </a:r>
           </a:p>
         </p:txBody>
@@ -4351,7 +5393,7 @@
             </a:pPr>
             <a:r>
               <a:rPr lang="en-US" dirty="0"/>
-              <a:t>Casual riders ride roughly twice as long compared to membership holders.</a:t>
+              <a:t>Overall, the service sees the most traffic in the summer (May to September) and declines in the colder months</a:t>
             </a:r>
           </a:p>
           <a:p>
@@ -4366,7 +5408,16 @@
             </a:pPr>
             <a:r>
               <a:rPr lang="en-US" dirty="0"/>
-              <a:t>Ride lengths are longer on weekends for both groups.</a:t>
+              <a:t>In the summer, member and casual ridership is similar, however members will ride more often in the winter compared to casual riders.</a:t>
+            </a:r>
+          </a:p>
+          <a:p>
+            <a:pPr marL="342900" indent="-342900">
+              <a:buAutoNum type="arabicPeriod"/>
+            </a:pPr>
+            <a:r>
+              <a:rPr lang="en-US" dirty="0"/>
+              <a:t>Casual ridership is very low in the winter months</a:t>
             </a:r>
           </a:p>
         </p:txBody>
@@ -4374,7 +5425,7 @@
     </p:spTree>
     <p:extLst>
       <p:ext uri="{BB962C8B-B14F-4D97-AF65-F5344CB8AC3E}">
-        <p14:creationId xmlns:p14="http://schemas.microsoft.com/office/powerpoint/2010/main" val="1426004564"/>
+        <p14:creationId xmlns:p14="http://schemas.microsoft.com/office/powerpoint/2010/main" val="1352223280"/>
       </p:ext>
     </p:extLst>
   </p:cSld>
@@ -4434,7 +5485,7 @@
                 <a:latin typeface="Arial" panose="020B0604020202020204" pitchFamily="34" charset="0"/>
                 <a:cs typeface="Arial" panose="020B0604020202020204" pitchFamily="34" charset="0"/>
               </a:rPr>
-              <a:t>Average Ride Length per Month</a:t>
+              <a:t>Total Riders Per Day for Each Rider Type</a:t>
             </a:r>
           </a:p>
         </p:txBody>
@@ -4504,7 +5555,7 @@
             </a:pPr>
             <a:r>
               <a:rPr lang="en-US" dirty="0"/>
-              <a:t>Casual riders ride roughly twice as long compared to membership holders.</a:t>
+              <a:t>Members ride the most in the middle of the week (Tuesday to Thursday) whereas casual riders use the service mostly on the weekend</a:t>
             </a:r>
           </a:p>
           <a:p>
@@ -4519,7 +5570,7 @@
             </a:pPr>
             <a:r>
               <a:rPr lang="en-US" dirty="0"/>
-              <a:t>Ride lengths are longer on weekends for both groups.</a:t>
+              <a:t>Casual ridership surpasses member ridership on weekends</a:t>
             </a:r>
           </a:p>
         </p:txBody>
@@ -4527,7 +5578,7 @@
     </p:spTree>
     <p:extLst>
       <p:ext uri="{BB962C8B-B14F-4D97-AF65-F5344CB8AC3E}">
-        <p14:creationId xmlns:p14="http://schemas.microsoft.com/office/powerpoint/2010/main" val="1770915298"/>
+        <p14:creationId xmlns:p14="http://schemas.microsoft.com/office/powerpoint/2010/main" val="3355053490"/>
       </p:ext>
     </p:extLst>
   </p:cSld>
